--- a/couchdb_ppt.pptx
+++ b/couchdb_ppt.pptx
@@ -15,9 +15,6 @@
     <p:sldId id="260" r:id="rId12"/>
     <p:sldId id="261" r:id="rId13"/>
     <p:sldId id="262" r:id="rId14"/>
-    <p:sldId id="263" r:id="rId15"/>
-    <p:sldId id="264" r:id="rId16"/>
-    <p:sldId id="265" r:id="rId17"/>
   </p:sldIdLst>
   <p:sldSz cx="14630400" cy="8229600"/>
   <p:notesSz cx="6858000" cy="9144000"/>
@@ -555,8 +552,8 @@
         </p:nvSpPr>
         <p:spPr>
           <a:xfrm>
-            <a:off x="731520" y="110489"/>
-            <a:ext cx="13167361" cy="1809751"/>
+            <a:off x="731519" y="110489"/>
+            <a:ext cx="13167362" cy="1809751"/>
           </a:xfrm>
           <a:prstGeom prst="rect">
             <a:avLst/>
@@ -591,8 +588,8 @@
         </p:nvSpPr>
         <p:spPr>
           <a:xfrm>
-            <a:off x="731520" y="1920239"/>
-            <a:ext cx="13167361" cy="6309362"/>
+            <a:off x="731519" y="1920239"/>
+            <a:ext cx="13167362" cy="6309362"/>
           </a:xfrm>
           <a:prstGeom prst="rect">
             <a:avLst/>
@@ -651,8 +648,8 @@
         </p:nvSpPr>
         <p:spPr>
           <a:xfrm>
-            <a:off x="7071359" y="7408545"/>
-            <a:ext cx="3413761" cy="438150"/>
+            <a:off x="7071359" y="7408544"/>
+            <a:ext cx="3413761" cy="438151"/>
           </a:xfrm>
           <a:prstGeom prst="rect">
             <a:avLst/>
@@ -1588,8 +1585,8 @@
         </p:nvSpPr>
         <p:spPr>
           <a:xfrm>
-            <a:off x="839510" y="4211240"/>
-            <a:ext cx="7464981" cy="1136774"/>
+            <a:off x="839510" y="4211241"/>
+            <a:ext cx="7464981" cy="1136773"/>
           </a:xfrm>
           <a:prstGeom prst="rect">
             <a:avLst/>
@@ -1708,626 +1705,6 @@
             <a:pPr/>
             <a:r>
               <a:t>by Abhijith H</a:t>
-            </a:r>
-          </a:p>
-        </p:txBody>
-      </p:sp>
-    </p:spTree>
-  </p:cSld>
-  <p:clrMapOvr>
-    <a:masterClrMapping/>
-  </p:clrMapOvr>
-  <p:transition xmlns:p14="http://schemas.microsoft.com/office/powerpoint/2010/main" spd="med" advClick="1"/>
-</p:sld>
-</file>
-
-<file path=ppt/slides/slide10.xml><?xml version="1.0" encoding="utf-8"?>
-<p:sld xmlns:a="http://schemas.openxmlformats.org/drawingml/2006/main" xmlns:r="http://schemas.openxmlformats.org/officeDocument/2006/relationships" xmlns:p="http://schemas.openxmlformats.org/presentationml/2006/main" xmlns:m="http://schemas.openxmlformats.org/officeDocument/2006/math" xmlns:a14="http://schemas.microsoft.com/office/drawing/2010/main" showMasterSp="1" showMasterPhAnim="1">
-  <p:cSld>
-    <p:spTree>
-      <p:nvGrpSpPr>
-        <p:cNvPr id="1" name=""/>
-        <p:cNvGrpSpPr/>
-        <p:nvPr/>
-      </p:nvGrpSpPr>
-      <p:grpSpPr>
-        <a:xfrm>
-          <a:off x="0" y="0"/>
-          <a:ext cx="0" cy="0"/>
-          <a:chOff x="0" y="0"/>
-          <a:chExt cx="0" cy="0"/>
-        </a:xfrm>
-      </p:grpSpPr>
-      <p:sp>
-        <p:nvSpPr>
-          <p:cNvPr id="185" name="Shape 0"/>
-          <p:cNvSpPr/>
-          <p:nvPr/>
-        </p:nvSpPr>
-        <p:spPr>
-          <a:xfrm>
-            <a:off x="0" y="0"/>
-            <a:ext cx="14630400" cy="8229600"/>
-          </a:xfrm>
-          <a:prstGeom prst="rect">
-            <a:avLst/>
-          </a:prstGeom>
-          <a:solidFill>
-            <a:srgbClr val="F8ECE4"/>
-          </a:solidFill>
-          <a:ln w="12700">
-            <a:miter lim="400000"/>
-          </a:ln>
-        </p:spPr>
-        <p:txBody>
-          <a:bodyPr lIns="45719" rIns="45719"/>
-          <a:lstStyle/>
-          <a:p>
-            <a:pPr/>
-          </a:p>
-        </p:txBody>
-      </p:sp>
-      <p:sp>
-        <p:nvSpPr>
-          <p:cNvPr id="186" name="Shape 1"/>
-          <p:cNvSpPr/>
-          <p:nvPr/>
-        </p:nvSpPr>
-        <p:spPr>
-          <a:xfrm>
-            <a:off x="0" y="0"/>
-            <a:ext cx="14630400" cy="8229600"/>
-          </a:xfrm>
-          <a:prstGeom prst="rect">
-            <a:avLst/>
-          </a:prstGeom>
-          <a:solidFill>
-            <a:srgbClr val="F8ECE4"/>
-          </a:solidFill>
-          <a:ln w="12700">
-            <a:miter lim="400000"/>
-          </a:ln>
-        </p:spPr>
-        <p:txBody>
-          <a:bodyPr lIns="45719" rIns="45719"/>
-          <a:lstStyle/>
-          <a:p>
-            <a:pPr/>
-          </a:p>
-        </p:txBody>
-      </p:sp>
-      <p:pic>
-        <p:nvPicPr>
-          <p:cNvPr id="187" name="Image 0" descr="Image 0"/>
-          <p:cNvPicPr>
-            <a:picLocks noChangeAspect="1"/>
-          </p:cNvPicPr>
-          <p:nvPr/>
-        </p:nvPicPr>
-        <p:blipFill>
-          <a:blip r:embed="rId2">
-            <a:extLst/>
-          </a:blip>
-          <a:stretch>
-            <a:fillRect/>
-          </a:stretch>
-        </p:blipFill>
-        <p:spPr>
-          <a:xfrm>
-            <a:off x="9144000" y="0"/>
-            <a:ext cx="5486400" cy="8229600"/>
-          </a:xfrm>
-          <a:prstGeom prst="rect">
-            <a:avLst/>
-          </a:prstGeom>
-          <a:ln w="12700">
-            <a:miter lim="400000"/>
-          </a:ln>
-        </p:spPr>
-      </p:pic>
-      <p:sp>
-        <p:nvSpPr>
-          <p:cNvPr id="188" name="Text 2"/>
-          <p:cNvSpPr txBox="1"/>
-          <p:nvPr/>
-        </p:nvSpPr>
-        <p:spPr>
-          <a:xfrm>
-            <a:off x="669250" y="1054059"/>
-            <a:ext cx="7805499" cy="630548"/>
-          </a:xfrm>
-          <a:prstGeom prst="rect">
-            <a:avLst/>
-          </a:prstGeom>
-          <a:ln w="12700">
-            <a:miter lim="400000"/>
-          </a:ln>
-          <a:extLst>
-            <a:ext uri="{C572A759-6A51-4108-AA02-DFA0A04FC94B}">
-              <ma14:wrappingTextBoxFlag xmlns:ma14="http://schemas.microsoft.com/office/mac/drawingml/2011/main" val="1"/>
-            </a:ext>
-          </a:extLst>
-        </p:spPr>
-        <p:txBody>
-          <a:bodyPr lIns="45719" rIns="45719">
-            <a:spAutoFit/>
-          </a:bodyPr>
-          <a:lstStyle>
-            <a:lvl1pPr>
-              <a:lnSpc>
-                <a:spcPts val="4300"/>
-              </a:lnSpc>
-              <a:defRPr b="1" sz="3500">
-                <a:solidFill>
-                  <a:srgbClr val="151617"/>
-                </a:solidFill>
-                <a:latin typeface="Montserrat"/>
-                <a:ea typeface="Montserrat"/>
-                <a:cs typeface="Montserrat"/>
-                <a:sym typeface="Montserrat"/>
-              </a:defRPr>
-            </a:lvl1pPr>
-          </a:lstStyle>
-          <a:p>
-            <a:pPr/>
-            <a:r>
-              <a:t>Conclusion and Recommendations</a:t>
-            </a:r>
-          </a:p>
-        </p:txBody>
-      </p:sp>
-      <p:sp>
-        <p:nvSpPr>
-          <p:cNvPr id="189" name="Text 3"/>
-          <p:cNvSpPr txBox="1"/>
-          <p:nvPr/>
-        </p:nvSpPr>
-        <p:spPr>
-          <a:xfrm>
-            <a:off x="669250" y="2434708"/>
-            <a:ext cx="7805499" cy="914652"/>
-          </a:xfrm>
-          <a:prstGeom prst="rect">
-            <a:avLst/>
-          </a:prstGeom>
-          <a:ln w="12700">
-            <a:miter lim="400000"/>
-          </a:ln>
-          <a:extLst>
-            <a:ext uri="{C572A759-6A51-4108-AA02-DFA0A04FC94B}">
-              <ma14:wrappingTextBoxFlag xmlns:ma14="http://schemas.microsoft.com/office/mac/drawingml/2011/main" val="1"/>
-            </a:ext>
-          </a:extLst>
-        </p:spPr>
-        <p:txBody>
-          <a:bodyPr lIns="45719" rIns="45719">
-            <a:spAutoFit/>
-          </a:bodyPr>
-          <a:lstStyle>
-            <a:lvl1pPr>
-              <a:lnSpc>
-                <a:spcPts val="2200"/>
-              </a:lnSpc>
-              <a:defRPr b="1" sz="1400">
-                <a:solidFill>
-                  <a:srgbClr val="151617"/>
-                </a:solidFill>
-                <a:latin typeface="Inconsolata"/>
-                <a:ea typeface="Inconsolata"/>
-                <a:cs typeface="Inconsolata"/>
-                <a:sym typeface="Inconsolata"/>
-              </a:defRPr>
-            </a:lvl1pPr>
-          </a:lstStyle>
-          <a:p>
-            <a:pPr/>
-            <a:r>
-              <a:t>CouchDB is a powerful and versatile NoSQL database that can be a valuable addition to Spring Boot applications. Its strengths lie in its simplicity, scalability, and flexibility, making it suitable for a wide range of use cases.</a:t>
-            </a:r>
-          </a:p>
-        </p:txBody>
-      </p:sp>
-      <p:sp>
-        <p:nvSpPr>
-          <p:cNvPr id="190" name="Shape 4"/>
-          <p:cNvSpPr/>
-          <p:nvPr/>
-        </p:nvSpPr>
-        <p:spPr>
-          <a:xfrm>
-            <a:off x="623530" y="3489840"/>
-            <a:ext cx="3859411" cy="2181107"/>
-          </a:xfrm>
-          <a:prstGeom prst="roundRect">
-            <a:avLst>
-              <a:gd name="adj" fmla="val 419"/>
-            </a:avLst>
-          </a:prstGeom>
-          <a:solidFill>
-            <a:srgbClr val="F8ECE4"/>
-          </a:solidFill>
-          <a:ln w="7620">
-            <a:solidFill>
-              <a:srgbClr val="151617"/>
-            </a:solidFill>
-          </a:ln>
-        </p:spPr>
-        <p:txBody>
-          <a:bodyPr lIns="45719" rIns="45719"/>
-          <a:lstStyle/>
-          <a:p>
-            <a:pPr/>
-          </a:p>
-        </p:txBody>
-      </p:sp>
-      <p:sp>
-        <p:nvSpPr>
-          <p:cNvPr id="191" name="Text 5"/>
-          <p:cNvSpPr txBox="1"/>
-          <p:nvPr/>
-        </p:nvSpPr>
-        <p:spPr>
-          <a:xfrm>
-            <a:off x="854988" y="3675577"/>
-            <a:ext cx="2083294" cy="354454"/>
-          </a:xfrm>
-          <a:prstGeom prst="rect">
-            <a:avLst/>
-          </a:prstGeom>
-          <a:ln w="12700">
-            <a:miter lim="400000"/>
-          </a:ln>
-          <a:extLst>
-            <a:ext uri="{C572A759-6A51-4108-AA02-DFA0A04FC94B}">
-              <ma14:wrappingTextBoxFlag xmlns:ma14="http://schemas.microsoft.com/office/mac/drawingml/2011/main" val="1"/>
-            </a:ext>
-          </a:extLst>
-        </p:spPr>
-        <p:txBody>
-          <a:bodyPr wrap="none" lIns="45719" rIns="45719">
-            <a:spAutoFit/>
-          </a:bodyPr>
-          <a:lstStyle>
-            <a:lvl1pPr>
-              <a:lnSpc>
-                <a:spcPts val="2100"/>
-              </a:lnSpc>
-              <a:defRPr b="1" sz="1700">
-                <a:solidFill>
-                  <a:srgbClr val="151617"/>
-                </a:solidFill>
-                <a:latin typeface="Montserrat"/>
-                <a:ea typeface="Montserrat"/>
-                <a:cs typeface="Montserrat"/>
-                <a:sym typeface="Montserrat"/>
-              </a:defRPr>
-            </a:lvl1pPr>
-          </a:lstStyle>
-          <a:p>
-            <a:pPr/>
-            <a:r>
-              <a:t>Consider CouchDB</a:t>
-            </a:r>
-          </a:p>
-        </p:txBody>
-      </p:sp>
-      <p:sp>
-        <p:nvSpPr>
-          <p:cNvPr id="192" name="Text 6"/>
-          <p:cNvSpPr txBox="1"/>
-          <p:nvPr/>
-        </p:nvSpPr>
-        <p:spPr>
-          <a:xfrm>
-            <a:off x="854988" y="4060626"/>
-            <a:ext cx="3396496" cy="1473452"/>
-          </a:xfrm>
-          <a:prstGeom prst="rect">
-            <a:avLst/>
-          </a:prstGeom>
-          <a:ln w="12700">
-            <a:miter lim="400000"/>
-          </a:ln>
-          <a:extLst>
-            <a:ext uri="{C572A759-6A51-4108-AA02-DFA0A04FC94B}">
-              <ma14:wrappingTextBoxFlag xmlns:ma14="http://schemas.microsoft.com/office/mac/drawingml/2011/main" val="1"/>
-            </a:ext>
-          </a:extLst>
-        </p:spPr>
-        <p:txBody>
-          <a:bodyPr lIns="45719" rIns="45719">
-            <a:spAutoFit/>
-          </a:bodyPr>
-          <a:lstStyle>
-            <a:lvl1pPr>
-              <a:lnSpc>
-                <a:spcPts val="2200"/>
-              </a:lnSpc>
-              <a:defRPr b="1" sz="1400">
-                <a:solidFill>
-                  <a:srgbClr val="151617"/>
-                </a:solidFill>
-                <a:latin typeface="Inconsolata"/>
-                <a:ea typeface="Inconsolata"/>
-                <a:cs typeface="Inconsolata"/>
-                <a:sym typeface="Inconsolata"/>
-              </a:defRPr>
-            </a:lvl1pPr>
-          </a:lstStyle>
-          <a:p>
-            <a:pPr/>
-            <a:r>
-              <a:t>When your application requires a document-oriented database with a focus on simplicity, scalability, and data consistency, CouchDB is a strong contender.</a:t>
-            </a:r>
-          </a:p>
-        </p:txBody>
-      </p:sp>
-      <p:sp>
-        <p:nvSpPr>
-          <p:cNvPr id="193" name="Shape 7"/>
-          <p:cNvSpPr/>
-          <p:nvPr/>
-        </p:nvSpPr>
-        <p:spPr>
-          <a:xfrm>
-            <a:off x="4661058" y="3489840"/>
-            <a:ext cx="3859412" cy="2181107"/>
-          </a:xfrm>
-          <a:prstGeom prst="roundRect">
-            <a:avLst>
-              <a:gd name="adj" fmla="val 419"/>
-            </a:avLst>
-          </a:prstGeom>
-          <a:solidFill>
-            <a:srgbClr val="F8ECE4"/>
-          </a:solidFill>
-          <a:ln w="7620">
-            <a:solidFill>
-              <a:srgbClr val="151617"/>
-            </a:solidFill>
-          </a:ln>
-        </p:spPr>
-        <p:txBody>
-          <a:bodyPr lIns="45719" rIns="45719"/>
-          <a:lstStyle/>
-          <a:p>
-            <a:pPr/>
-          </a:p>
-        </p:txBody>
-      </p:sp>
-      <p:sp>
-        <p:nvSpPr>
-          <p:cNvPr id="194" name="Text 8"/>
-          <p:cNvSpPr txBox="1"/>
-          <p:nvPr/>
-        </p:nvSpPr>
-        <p:spPr>
-          <a:xfrm>
-            <a:off x="4892516" y="3675577"/>
-            <a:ext cx="3006456" cy="354454"/>
-          </a:xfrm>
-          <a:prstGeom prst="rect">
-            <a:avLst/>
-          </a:prstGeom>
-          <a:ln w="12700">
-            <a:miter lim="400000"/>
-          </a:ln>
-          <a:extLst>
-            <a:ext uri="{C572A759-6A51-4108-AA02-DFA0A04FC94B}">
-              <ma14:wrappingTextBoxFlag xmlns:ma14="http://schemas.microsoft.com/office/mac/drawingml/2011/main" val="1"/>
-            </a:ext>
-          </a:extLst>
-        </p:spPr>
-        <p:txBody>
-          <a:bodyPr wrap="none" lIns="45719" rIns="45719">
-            <a:spAutoFit/>
-          </a:bodyPr>
-          <a:lstStyle>
-            <a:lvl1pPr>
-              <a:lnSpc>
-                <a:spcPts val="2100"/>
-              </a:lnSpc>
-              <a:defRPr b="1" sz="1700">
-                <a:solidFill>
-                  <a:srgbClr val="151617"/>
-                </a:solidFill>
-                <a:latin typeface="Montserrat"/>
-                <a:ea typeface="Montserrat"/>
-                <a:cs typeface="Montserrat"/>
-                <a:sym typeface="Montserrat"/>
-              </a:defRPr>
-            </a:lvl1pPr>
-          </a:lstStyle>
-          <a:p>
-            <a:pPr/>
-            <a:r>
-              <a:t>Integration with Spring Boot</a:t>
-            </a:r>
-          </a:p>
-        </p:txBody>
-      </p:sp>
-      <p:sp>
-        <p:nvSpPr>
-          <p:cNvPr id="195" name="Text 9"/>
-          <p:cNvSpPr txBox="1"/>
-          <p:nvPr/>
-        </p:nvSpPr>
-        <p:spPr>
-          <a:xfrm>
-            <a:off x="4892516" y="4060626"/>
-            <a:ext cx="3396496" cy="1194052"/>
-          </a:xfrm>
-          <a:prstGeom prst="rect">
-            <a:avLst/>
-          </a:prstGeom>
-          <a:ln w="12700">
-            <a:miter lim="400000"/>
-          </a:ln>
-          <a:extLst>
-            <a:ext uri="{C572A759-6A51-4108-AA02-DFA0A04FC94B}">
-              <ma14:wrappingTextBoxFlag xmlns:ma14="http://schemas.microsoft.com/office/mac/drawingml/2011/main" val="1"/>
-            </a:ext>
-          </a:extLst>
-        </p:spPr>
-        <p:txBody>
-          <a:bodyPr lIns="45719" rIns="45719">
-            <a:spAutoFit/>
-          </a:bodyPr>
-          <a:lstStyle>
-            <a:lvl1pPr>
-              <a:lnSpc>
-                <a:spcPts val="2200"/>
-              </a:lnSpc>
-              <a:defRPr b="1" sz="1400">
-                <a:solidFill>
-                  <a:srgbClr val="151617"/>
-                </a:solidFill>
-                <a:latin typeface="Inconsolata"/>
-                <a:ea typeface="Inconsolata"/>
-                <a:cs typeface="Inconsolata"/>
-                <a:sym typeface="Inconsolata"/>
-              </a:defRPr>
-            </a:lvl1pPr>
-          </a:lstStyle>
-          <a:p>
-            <a:pPr/>
-            <a:r>
-              <a:t>Spring Boot's seamless integration with CouchDB simplifies development and deployment, enabling efficient data storage and retrieval.</a:t>
-            </a:r>
-          </a:p>
-        </p:txBody>
-      </p:sp>
-      <p:sp>
-        <p:nvSpPr>
-          <p:cNvPr id="196" name="Shape 10"/>
-          <p:cNvSpPr/>
-          <p:nvPr/>
-        </p:nvSpPr>
-        <p:spPr>
-          <a:xfrm>
-            <a:off x="623530" y="5849063"/>
-            <a:ext cx="7896939" cy="1326357"/>
-          </a:xfrm>
-          <a:prstGeom prst="roundRect">
-            <a:avLst>
-              <a:gd name="adj" fmla="val 689"/>
-            </a:avLst>
-          </a:prstGeom>
-          <a:solidFill>
-            <a:srgbClr val="F8ECE4"/>
-          </a:solidFill>
-          <a:ln w="7620">
-            <a:solidFill>
-              <a:srgbClr val="151617"/>
-            </a:solidFill>
-          </a:ln>
-        </p:spPr>
-        <p:txBody>
-          <a:bodyPr lIns="45719" rIns="45719"/>
-          <a:lstStyle/>
-          <a:p>
-            <a:pPr/>
-          </a:p>
-        </p:txBody>
-      </p:sp>
-      <p:sp>
-        <p:nvSpPr>
-          <p:cNvPr id="197" name="Text 11"/>
-          <p:cNvSpPr txBox="1"/>
-          <p:nvPr/>
-        </p:nvSpPr>
-        <p:spPr>
-          <a:xfrm>
-            <a:off x="854987" y="6034802"/>
-            <a:ext cx="2167947" cy="354453"/>
-          </a:xfrm>
-          <a:prstGeom prst="rect">
-            <a:avLst/>
-          </a:prstGeom>
-          <a:ln w="12700">
-            <a:miter lim="400000"/>
-          </a:ln>
-          <a:extLst>
-            <a:ext uri="{C572A759-6A51-4108-AA02-DFA0A04FC94B}">
-              <ma14:wrappingTextBoxFlag xmlns:ma14="http://schemas.microsoft.com/office/mac/drawingml/2011/main" val="1"/>
-            </a:ext>
-          </a:extLst>
-        </p:spPr>
-        <p:txBody>
-          <a:bodyPr wrap="none" lIns="45719" rIns="45719">
-            <a:spAutoFit/>
-          </a:bodyPr>
-          <a:lstStyle>
-            <a:lvl1pPr>
-              <a:lnSpc>
-                <a:spcPts val="2100"/>
-              </a:lnSpc>
-              <a:defRPr b="1" sz="1700">
-                <a:solidFill>
-                  <a:srgbClr val="151617"/>
-                </a:solidFill>
-                <a:latin typeface="Montserrat"/>
-                <a:ea typeface="Montserrat"/>
-                <a:cs typeface="Montserrat"/>
-                <a:sym typeface="Montserrat"/>
-              </a:defRPr>
-            </a:lvl1pPr>
-          </a:lstStyle>
-          <a:p>
-            <a:pPr/>
-            <a:r>
-              <a:t>Explore its Features</a:t>
-            </a:r>
-          </a:p>
-        </p:txBody>
-      </p:sp>
-      <p:sp>
-        <p:nvSpPr>
-          <p:cNvPr id="198" name="Text 12"/>
-          <p:cNvSpPr txBox="1"/>
-          <p:nvPr/>
-        </p:nvSpPr>
-        <p:spPr>
-          <a:xfrm>
-            <a:off x="854988" y="6419850"/>
-            <a:ext cx="7434024" cy="635251"/>
-          </a:xfrm>
-          <a:prstGeom prst="rect">
-            <a:avLst/>
-          </a:prstGeom>
-          <a:ln w="12700">
-            <a:miter lim="400000"/>
-          </a:ln>
-          <a:extLst>
-            <a:ext uri="{C572A759-6A51-4108-AA02-DFA0A04FC94B}">
-              <ma14:wrappingTextBoxFlag xmlns:ma14="http://schemas.microsoft.com/office/mac/drawingml/2011/main" val="1"/>
-            </a:ext>
-          </a:extLst>
-        </p:spPr>
-        <p:txBody>
-          <a:bodyPr lIns="45719" rIns="45719">
-            <a:spAutoFit/>
-          </a:bodyPr>
-          <a:lstStyle>
-            <a:lvl1pPr>
-              <a:lnSpc>
-                <a:spcPts val="2200"/>
-              </a:lnSpc>
-              <a:defRPr b="1" sz="1400">
-                <a:solidFill>
-                  <a:srgbClr val="151617"/>
-                </a:solidFill>
-                <a:latin typeface="Inconsolata"/>
-                <a:ea typeface="Inconsolata"/>
-                <a:cs typeface="Inconsolata"/>
-                <a:sym typeface="Inconsolata"/>
-              </a:defRPr>
-            </a:lvl1pPr>
-          </a:lstStyle>
-          <a:p>
-            <a:pPr/>
-            <a:r>
-              <a:t>Investigate CouchDB's features, including map-reduce, replication, and versioning, to leverage its capabilities effectively in your applications.</a:t>
             </a:r>
           </a:p>
         </p:txBody>
@@ -2534,7 +1911,7 @@
         <p:spPr>
           <a:xfrm>
             <a:off x="781645" y="4342686"/>
-            <a:ext cx="13067109" cy="732533"/>
+            <a:ext cx="13067110" cy="732533"/>
           </a:xfrm>
           <a:prstGeom prst="rect">
             <a:avLst/>
@@ -2668,8 +2045,8 @@
         </p:nvSpPr>
         <p:spPr>
           <a:xfrm>
-            <a:off x="999530" y="5924430"/>
-            <a:ext cx="3718798" cy="1392934"/>
+            <a:off x="999529" y="5924431"/>
+            <a:ext cx="3718799" cy="1392933"/>
           </a:xfrm>
           <a:prstGeom prst="rect">
             <a:avLst/>
@@ -2752,8 +2129,8 @@
         </p:nvSpPr>
         <p:spPr>
           <a:xfrm>
-            <a:off x="5455800" y="5469730"/>
-            <a:ext cx="2038287" cy="403856"/>
+            <a:off x="5455801" y="5469730"/>
+            <a:ext cx="2038286" cy="403856"/>
           </a:xfrm>
           <a:prstGeom prst="rect">
             <a:avLst/>
@@ -2804,7 +2181,7 @@
         <p:spPr>
           <a:xfrm>
             <a:off x="5455801" y="5924431"/>
-            <a:ext cx="3718799" cy="1062733"/>
+            <a:ext cx="3718798" cy="1062733"/>
           </a:xfrm>
           <a:prstGeom prst="rect">
             <a:avLst/>
@@ -2887,8 +2264,8 @@
         </p:nvSpPr>
         <p:spPr>
           <a:xfrm>
-            <a:off x="9912072" y="5469730"/>
-            <a:ext cx="3002196" cy="403856"/>
+            <a:off x="9912071" y="5469730"/>
+            <a:ext cx="3002197" cy="403856"/>
           </a:xfrm>
           <a:prstGeom prst="rect">
             <a:avLst/>
@@ -2938,8 +2315,8 @@
         </p:nvSpPr>
         <p:spPr>
           <a:xfrm>
-            <a:off x="9912072" y="5924430"/>
-            <a:ext cx="3718799" cy="1392934"/>
+            <a:off x="9912071" y="5924431"/>
+            <a:ext cx="3718799" cy="1392933"/>
           </a:xfrm>
           <a:prstGeom prst="rect">
             <a:avLst/>
@@ -3526,7 +2903,7 @@
         <p:spPr>
           <a:xfrm>
             <a:off x="8086367" y="5009674"/>
-            <a:ext cx="5580700" cy="988692"/>
+            <a:ext cx="5580699" cy="988692"/>
           </a:xfrm>
           <a:prstGeom prst="rect">
             <a:avLst/>
@@ -3898,7 +3275,7 @@
         <p:spPr>
           <a:xfrm>
             <a:off x="8086367" y="6767989"/>
-            <a:ext cx="5580700" cy="988692"/>
+            <a:ext cx="5580699" cy="988692"/>
           </a:xfrm>
           <a:prstGeom prst="rect">
             <a:avLst/>
@@ -3940,37 +3317,6 @@
           </a:p>
         </p:txBody>
       </p:sp>
-      <p:pic>
-        <p:nvPicPr>
-          <p:cNvPr id="66" name="Image 2" descr="Image 2">
-            <a:hlinkClick r:id="rId3" invalidUrl="" action="" tgtFrame="" tooltip="" history="1" highlightClick="0" endSnd="0"/>
-          </p:cNvPr>
-          <p:cNvPicPr>
-            <a:picLocks noChangeAspect="1"/>
-          </p:cNvPicPr>
-          <p:nvPr/>
-        </p:nvPicPr>
-        <p:blipFill>
-          <a:blip r:embed="rId4">
-            <a:extLst/>
-          </a:blip>
-          <a:stretch>
-            <a:fillRect/>
-          </a:stretch>
-        </p:blipFill>
-        <p:spPr>
-          <a:xfrm>
-            <a:off x="12242152" y="7589519"/>
-            <a:ext cx="2296808" cy="548641"/>
-          </a:xfrm>
-          <a:prstGeom prst="rect">
-            <a:avLst/>
-          </a:prstGeom>
-          <a:ln w="12700">
-            <a:miter lim="400000"/>
-          </a:ln>
-        </p:spPr>
-      </p:pic>
     </p:spTree>
   </p:cSld>
   <p:clrMapOvr>
@@ -3999,7 +3345,7 @@
       </p:grpSpPr>
       <p:sp>
         <p:nvSpPr>
-          <p:cNvPr id="68" name="Shape 0"/>
+          <p:cNvPr id="67" name="Shape 0"/>
           <p:cNvSpPr/>
           <p:nvPr/>
         </p:nvSpPr>
@@ -4028,7 +3374,7 @@
       </p:sp>
       <p:sp>
         <p:nvSpPr>
-          <p:cNvPr id="69" name="Shape 1"/>
+          <p:cNvPr id="68" name="Shape 1"/>
           <p:cNvSpPr/>
           <p:nvPr/>
         </p:nvSpPr>
@@ -4057,7 +3403,7 @@
       </p:sp>
       <p:pic>
         <p:nvPicPr>
-          <p:cNvPr id="70" name="Image 0" descr="Image 0"/>
+          <p:cNvPr id="69" name="Image 0" descr="Image 0"/>
           <p:cNvPicPr>
             <a:picLocks noChangeAspect="1"/>
           </p:cNvPicPr>
@@ -4086,7 +3432,7 @@
       </p:pic>
       <p:sp>
         <p:nvSpPr>
-          <p:cNvPr id="71" name="Text 2"/>
+          <p:cNvPr id="70" name="Text 2"/>
           <p:cNvSpPr txBox="1"/>
           <p:nvPr/>
         </p:nvSpPr>
@@ -4137,7 +3483,7 @@
       </p:sp>
       <p:sp>
         <p:nvSpPr>
-          <p:cNvPr id="72" name="Text 3"/>
+          <p:cNvPr id="71" name="Text 3"/>
           <p:cNvSpPr txBox="1"/>
           <p:nvPr/>
         </p:nvSpPr>
@@ -4188,7 +3534,7 @@
       </p:sp>
       <p:sp>
         <p:nvSpPr>
-          <p:cNvPr id="73" name="Shape 4"/>
+          <p:cNvPr id="72" name="Shape 4"/>
           <p:cNvSpPr/>
           <p:nvPr/>
         </p:nvSpPr>
@@ -4220,7 +3566,7 @@
       </p:sp>
       <p:sp>
         <p:nvSpPr>
-          <p:cNvPr id="74" name="Shape 5"/>
+          <p:cNvPr id="73" name="Shape 5"/>
           <p:cNvSpPr/>
           <p:nvPr/>
         </p:nvSpPr>
@@ -4251,14 +3597,14 @@
       </p:sp>
       <p:sp>
         <p:nvSpPr>
-          <p:cNvPr id="75" name="Text 6"/>
+          <p:cNvPr id="74" name="Text 6"/>
           <p:cNvSpPr txBox="1"/>
           <p:nvPr/>
         </p:nvSpPr>
         <p:spPr>
           <a:xfrm>
-            <a:off x="882253" y="3428999"/>
-            <a:ext cx="746408" cy="366012"/>
+            <a:off x="882253" y="3429000"/>
+            <a:ext cx="746408" cy="366011"/>
           </a:xfrm>
           <a:prstGeom prst="rect">
             <a:avLst/>
@@ -4302,14 +3648,14 @@
       </p:sp>
       <p:sp>
         <p:nvSpPr>
-          <p:cNvPr id="76" name="Text 7"/>
+          <p:cNvPr id="75" name="Text 7"/>
           <p:cNvSpPr txBox="1"/>
           <p:nvPr/>
         </p:nvSpPr>
         <p:spPr>
           <a:xfrm>
-            <a:off x="3499008" y="3428999"/>
-            <a:ext cx="914052" cy="366012"/>
+            <a:off x="3499008" y="3429000"/>
+            <a:ext cx="914052" cy="366011"/>
           </a:xfrm>
           <a:prstGeom prst="rect">
             <a:avLst/>
@@ -4353,14 +3699,14 @@
       </p:sp>
       <p:sp>
         <p:nvSpPr>
-          <p:cNvPr id="77" name="Text 8"/>
+          <p:cNvPr id="76" name="Text 8"/>
           <p:cNvSpPr txBox="1"/>
           <p:nvPr/>
         </p:nvSpPr>
         <p:spPr>
           <a:xfrm>
-            <a:off x="6111954" y="3428999"/>
-            <a:ext cx="943482" cy="366012"/>
+            <a:off x="6111954" y="3429000"/>
+            <a:ext cx="943482" cy="366011"/>
           </a:xfrm>
           <a:prstGeom prst="rect">
             <a:avLst/>
@@ -4404,7 +3750,7 @@
       </p:sp>
       <p:sp>
         <p:nvSpPr>
-          <p:cNvPr id="78" name="Shape 9"/>
+          <p:cNvPr id="77" name="Shape 9"/>
           <p:cNvSpPr/>
           <p:nvPr/>
         </p:nvSpPr>
@@ -4435,7 +3781,7 @@
       </p:sp>
       <p:sp>
         <p:nvSpPr>
-          <p:cNvPr id="79" name="Text 10"/>
+          <p:cNvPr id="78" name="Text 10"/>
           <p:cNvSpPr txBox="1"/>
           <p:nvPr/>
         </p:nvSpPr>
@@ -4486,7 +3832,7 @@
       </p:sp>
       <p:sp>
         <p:nvSpPr>
-          <p:cNvPr id="80" name="Text 11"/>
+          <p:cNvPr id="79" name="Text 11"/>
           <p:cNvSpPr txBox="1"/>
           <p:nvPr/>
         </p:nvSpPr>
@@ -4537,14 +3883,14 @@
       </p:sp>
       <p:sp>
         <p:nvSpPr>
-          <p:cNvPr id="81" name="Text 12"/>
+          <p:cNvPr id="80" name="Text 12"/>
           <p:cNvSpPr txBox="1"/>
           <p:nvPr/>
         </p:nvSpPr>
         <p:spPr>
           <a:xfrm>
             <a:off x="6111954" y="3959423"/>
-            <a:ext cx="2149793" cy="658111"/>
+            <a:ext cx="2149794" cy="658111"/>
           </a:xfrm>
           <a:prstGeom prst="rect">
             <a:avLst/>
@@ -4588,7 +3934,7 @@
       </p:sp>
       <p:sp>
         <p:nvSpPr>
-          <p:cNvPr id="82" name="Shape 13"/>
+          <p:cNvPr id="81" name="Shape 13"/>
           <p:cNvSpPr/>
           <p:nvPr/>
         </p:nvSpPr>
@@ -4619,7 +3965,7 @@
       </p:sp>
       <p:sp>
         <p:nvSpPr>
-          <p:cNvPr id="83" name="Text 14"/>
+          <p:cNvPr id="82" name="Text 14"/>
           <p:cNvSpPr txBox="1"/>
           <p:nvPr/>
         </p:nvSpPr>
@@ -4670,7 +4016,7 @@
       </p:sp>
       <p:sp>
         <p:nvSpPr>
-          <p:cNvPr id="84" name="Text 15"/>
+          <p:cNvPr id="83" name="Text 15"/>
           <p:cNvSpPr txBox="1"/>
           <p:nvPr/>
         </p:nvSpPr>
@@ -4721,14 +4067,14 @@
       </p:sp>
       <p:sp>
         <p:nvSpPr>
-          <p:cNvPr id="85" name="Text 16"/>
+          <p:cNvPr id="84" name="Text 16"/>
           <p:cNvSpPr txBox="1"/>
           <p:nvPr/>
         </p:nvSpPr>
         <p:spPr>
           <a:xfrm>
             <a:off x="6111954" y="4784287"/>
-            <a:ext cx="2149793" cy="658112"/>
+            <a:ext cx="2149794" cy="658112"/>
           </a:xfrm>
           <a:prstGeom prst="rect">
             <a:avLst/>
@@ -4772,7 +4118,7 @@
       </p:sp>
       <p:sp>
         <p:nvSpPr>
-          <p:cNvPr id="86" name="Shape 17"/>
+          <p:cNvPr id="85" name="Shape 17"/>
           <p:cNvSpPr/>
           <p:nvPr/>
         </p:nvSpPr>
@@ -4803,7 +4149,7 @@
       </p:sp>
       <p:sp>
         <p:nvSpPr>
-          <p:cNvPr id="87" name="Text 18"/>
+          <p:cNvPr id="86" name="Text 18"/>
           <p:cNvSpPr txBox="1"/>
           <p:nvPr/>
         </p:nvSpPr>
@@ -4854,7 +4200,7 @@
       </p:sp>
       <p:sp>
         <p:nvSpPr>
-          <p:cNvPr id="88" name="Text 19"/>
+          <p:cNvPr id="87" name="Text 19"/>
           <p:cNvSpPr txBox="1"/>
           <p:nvPr/>
         </p:nvSpPr>
@@ -4905,14 +4251,14 @@
       </p:sp>
       <p:sp>
         <p:nvSpPr>
-          <p:cNvPr id="89" name="Text 20"/>
+          <p:cNvPr id="88" name="Text 20"/>
           <p:cNvSpPr txBox="1"/>
           <p:nvPr/>
         </p:nvSpPr>
         <p:spPr>
           <a:xfrm>
             <a:off x="6111954" y="5609152"/>
-            <a:ext cx="2149793" cy="950212"/>
+            <a:ext cx="2149794" cy="950212"/>
           </a:xfrm>
           <a:prstGeom prst="rect">
             <a:avLst/>
@@ -4956,7 +4302,7 @@
       </p:sp>
       <p:sp>
         <p:nvSpPr>
-          <p:cNvPr id="90" name="Shape 21"/>
+          <p:cNvPr id="89" name="Shape 21"/>
           <p:cNvSpPr/>
           <p:nvPr/>
         </p:nvSpPr>
@@ -4987,7 +4333,7 @@
       </p:sp>
       <p:sp>
         <p:nvSpPr>
-          <p:cNvPr id="91" name="Text 22"/>
+          <p:cNvPr id="90" name="Text 22"/>
           <p:cNvSpPr txBox="1"/>
           <p:nvPr/>
         </p:nvSpPr>
@@ -5038,7 +4384,7 @@
       </p:sp>
       <p:sp>
         <p:nvSpPr>
-          <p:cNvPr id="92" name="Text 23"/>
+          <p:cNvPr id="91" name="Text 23"/>
           <p:cNvSpPr txBox="1"/>
           <p:nvPr/>
         </p:nvSpPr>
@@ -5089,7 +4435,7 @@
       </p:sp>
       <p:sp>
         <p:nvSpPr>
-          <p:cNvPr id="93" name="Text 24"/>
+          <p:cNvPr id="92" name="Text 24"/>
           <p:cNvSpPr txBox="1"/>
           <p:nvPr/>
         </p:nvSpPr>
@@ -5166,7 +4512,7 @@
       </p:grpSpPr>
       <p:sp>
         <p:nvSpPr>
-          <p:cNvPr id="95" name="Shape 0"/>
+          <p:cNvPr id="94" name="Shape 0"/>
           <p:cNvSpPr/>
           <p:nvPr/>
         </p:nvSpPr>
@@ -5195,7 +4541,7 @@
       </p:sp>
       <p:sp>
         <p:nvSpPr>
-          <p:cNvPr id="96" name="Shape 1"/>
+          <p:cNvPr id="95" name="Shape 1"/>
           <p:cNvSpPr/>
           <p:nvPr/>
         </p:nvSpPr>
@@ -5224,7 +4570,7 @@
       </p:sp>
       <p:sp>
         <p:nvSpPr>
-          <p:cNvPr id="97" name="Text 2"/>
+          <p:cNvPr id="96" name="Text 2"/>
           <p:cNvSpPr txBox="1"/>
           <p:nvPr/>
         </p:nvSpPr>
@@ -5275,14 +4621,14 @@
       </p:sp>
       <p:sp>
         <p:nvSpPr>
-          <p:cNvPr id="98" name="Text 3"/>
+          <p:cNvPr id="97" name="Text 3"/>
           <p:cNvSpPr txBox="1"/>
           <p:nvPr/>
         </p:nvSpPr>
         <p:spPr>
           <a:xfrm>
-            <a:off x="839510" y="2787967"/>
-            <a:ext cx="12951381" cy="781174"/>
+            <a:off x="839510" y="2787968"/>
+            <a:ext cx="12951381" cy="781173"/>
           </a:xfrm>
           <a:prstGeom prst="rect">
             <a:avLst/>
@@ -5326,14 +4672,14 @@
       </p:sp>
       <p:sp>
         <p:nvSpPr>
-          <p:cNvPr id="99" name="Text 4"/>
+          <p:cNvPr id="98" name="Text 4"/>
           <p:cNvSpPr txBox="1"/>
           <p:nvPr/>
         </p:nvSpPr>
         <p:spPr>
           <a:xfrm>
             <a:off x="839509" y="3995737"/>
-            <a:ext cx="3886678" cy="772918"/>
+            <a:ext cx="3886677" cy="772918"/>
           </a:xfrm>
           <a:prstGeom prst="rect">
             <a:avLst/>
@@ -5377,14 +4723,14 @@
       </p:sp>
       <p:sp>
         <p:nvSpPr>
-          <p:cNvPr id="100" name="Text 5"/>
+          <p:cNvPr id="99" name="Text 5"/>
           <p:cNvSpPr txBox="1"/>
           <p:nvPr/>
         </p:nvSpPr>
         <p:spPr>
           <a:xfrm>
             <a:off x="839509" y="4931212"/>
-            <a:ext cx="3886678" cy="2203573"/>
+            <a:ext cx="3886677" cy="2203573"/>
           </a:xfrm>
           <a:prstGeom prst="rect">
             <a:avLst/>
@@ -5428,14 +4774,14 @@
       </p:sp>
       <p:sp>
         <p:nvSpPr>
-          <p:cNvPr id="101" name="Text 6"/>
+          <p:cNvPr id="100" name="Text 6"/>
           <p:cNvSpPr txBox="1"/>
           <p:nvPr/>
         </p:nvSpPr>
         <p:spPr>
           <a:xfrm>
-            <a:off x="5378647" y="3995737"/>
-            <a:ext cx="2744253" cy="430018"/>
+            <a:off x="5378648" y="3995737"/>
+            <a:ext cx="2744252" cy="430018"/>
           </a:xfrm>
           <a:prstGeom prst="rect">
             <a:avLst/>
@@ -5479,14 +4825,14 @@
       </p:sp>
       <p:sp>
         <p:nvSpPr>
-          <p:cNvPr id="102" name="Text 7"/>
+          <p:cNvPr id="101" name="Text 7"/>
           <p:cNvSpPr txBox="1"/>
           <p:nvPr/>
         </p:nvSpPr>
         <p:spPr>
           <a:xfrm>
-            <a:off x="5378647" y="4576881"/>
-            <a:ext cx="3886678" cy="1847974"/>
+            <a:off x="5378648" y="4576881"/>
+            <a:ext cx="3886676" cy="1847974"/>
           </a:xfrm>
           <a:prstGeom prst="rect">
             <a:avLst/>
@@ -5530,13 +4876,13 @@
       </p:sp>
       <p:sp>
         <p:nvSpPr>
-          <p:cNvPr id="103" name="Text 8"/>
+          <p:cNvPr id="102" name="Text 8"/>
           <p:cNvSpPr txBox="1"/>
           <p:nvPr/>
         </p:nvSpPr>
         <p:spPr>
           <a:xfrm>
-            <a:off x="9917787" y="3995737"/>
+            <a:off x="9917786" y="3995737"/>
             <a:ext cx="2991729" cy="430018"/>
           </a:xfrm>
           <a:prstGeom prst="rect">
@@ -5581,13 +4927,13 @@
       </p:sp>
       <p:sp>
         <p:nvSpPr>
-          <p:cNvPr id="104" name="Text 9"/>
+          <p:cNvPr id="103" name="Text 9"/>
           <p:cNvSpPr txBox="1"/>
           <p:nvPr/>
         </p:nvSpPr>
         <p:spPr>
           <a:xfrm>
-            <a:off x="9917787" y="4576881"/>
+            <a:off x="9917786" y="4576881"/>
             <a:ext cx="3886677" cy="1847974"/>
           </a:xfrm>
           <a:prstGeom prst="rect">
@@ -5658,7 +5004,7 @@
       </p:grpSpPr>
       <p:sp>
         <p:nvSpPr>
-          <p:cNvPr id="106" name="Shape 0"/>
+          <p:cNvPr id="105" name="Shape 0"/>
           <p:cNvSpPr/>
           <p:nvPr/>
         </p:nvSpPr>
@@ -5687,7 +5033,7 @@
       </p:sp>
       <p:sp>
         <p:nvSpPr>
-          <p:cNvPr id="107" name="Shape 1"/>
+          <p:cNvPr id="106" name="Shape 1"/>
           <p:cNvSpPr/>
           <p:nvPr/>
         </p:nvSpPr>
@@ -5716,7 +5062,7 @@
       </p:sp>
       <p:pic>
         <p:nvPicPr>
-          <p:cNvPr id="108" name="Image 0" descr="Image 0"/>
+          <p:cNvPr id="107" name="Image 0" descr="Image 0"/>
           <p:cNvPicPr>
             <a:picLocks noChangeAspect="1"/>
           </p:cNvPicPr>
@@ -5745,7 +5091,7 @@
       </p:pic>
       <p:sp>
         <p:nvSpPr>
-          <p:cNvPr id="109" name="Text 2"/>
+          <p:cNvPr id="108" name="Text 2"/>
           <p:cNvSpPr txBox="1"/>
           <p:nvPr/>
         </p:nvSpPr>
@@ -5796,7 +5142,7 @@
       </p:sp>
       <p:sp>
         <p:nvSpPr>
-          <p:cNvPr id="110" name="Text 3"/>
+          <p:cNvPr id="109" name="Text 3"/>
           <p:cNvSpPr txBox="1"/>
           <p:nvPr/>
         </p:nvSpPr>
@@ -5847,7 +5193,7 @@
       </p:sp>
       <p:pic>
         <p:nvPicPr>
-          <p:cNvPr id="111" name="Image 2" descr="Image 2"/>
+          <p:cNvPr id="110" name="Image 2" descr="Image 2"/>
           <p:cNvPicPr>
             <a:picLocks noChangeAspect="1"/>
           </p:cNvPicPr>
@@ -5876,7 +5222,7 @@
       </p:pic>
       <p:sp>
         <p:nvSpPr>
-          <p:cNvPr id="112" name="Text 4"/>
+          <p:cNvPr id="111" name="Text 4"/>
           <p:cNvSpPr txBox="1"/>
           <p:nvPr/>
         </p:nvSpPr>
@@ -5927,7 +5273,7 @@
       </p:sp>
       <p:sp>
         <p:nvSpPr>
-          <p:cNvPr id="113" name="Text 5"/>
+          <p:cNvPr id="112" name="Text 5"/>
           <p:cNvSpPr txBox="1"/>
           <p:nvPr/>
         </p:nvSpPr>
@@ -5978,7 +5324,7 @@
       </p:sp>
       <p:pic>
         <p:nvPicPr>
-          <p:cNvPr id="114" name="Image 3" descr="Image 3"/>
+          <p:cNvPr id="113" name="Image 3" descr="Image 3"/>
           <p:cNvPicPr>
             <a:picLocks noChangeAspect="1"/>
           </p:cNvPicPr>
@@ -6007,14 +5353,14 @@
       </p:pic>
       <p:sp>
         <p:nvSpPr>
-          <p:cNvPr id="115" name="Text 6"/>
+          <p:cNvPr id="114" name="Text 6"/>
           <p:cNvSpPr txBox="1"/>
           <p:nvPr/>
         </p:nvSpPr>
         <p:spPr>
           <a:xfrm>
             <a:off x="3143130" y="5214222"/>
-            <a:ext cx="2592176" cy="328293"/>
+            <a:ext cx="2592175" cy="328293"/>
           </a:xfrm>
           <a:prstGeom prst="rect">
             <a:avLst/>
@@ -6058,7 +5404,7 @@
       </p:sp>
       <p:sp>
         <p:nvSpPr>
-          <p:cNvPr id="116" name="Text 7"/>
+          <p:cNvPr id="115" name="Text 7"/>
           <p:cNvSpPr txBox="1"/>
           <p:nvPr/>
         </p:nvSpPr>
@@ -6109,7 +5455,7 @@
       </p:sp>
       <p:pic>
         <p:nvPicPr>
-          <p:cNvPr id="117" name="Image 4" descr="Image 4"/>
+          <p:cNvPr id="116" name="Image 4" descr="Image 4"/>
           <p:cNvPicPr>
             <a:picLocks noChangeAspect="1"/>
           </p:cNvPicPr>
@@ -6138,13 +5484,13 @@
       </p:pic>
       <p:sp>
         <p:nvSpPr>
-          <p:cNvPr id="118" name="Text 8"/>
+          <p:cNvPr id="117" name="Text 8"/>
           <p:cNvSpPr txBox="1"/>
           <p:nvPr/>
         </p:nvSpPr>
         <p:spPr>
           <a:xfrm>
-            <a:off x="3143130" y="6484382"/>
+            <a:off x="3143131" y="6484382"/>
             <a:ext cx="3977672" cy="328292"/>
           </a:xfrm>
           <a:prstGeom prst="rect">
@@ -6189,7 +5535,7 @@
       </p:sp>
       <p:sp>
         <p:nvSpPr>
-          <p:cNvPr id="119" name="Text 9"/>
+          <p:cNvPr id="118" name="Text 9"/>
           <p:cNvSpPr txBox="1"/>
           <p:nvPr/>
         </p:nvSpPr>
@@ -6266,7 +5612,7 @@
       </p:grpSpPr>
       <p:sp>
         <p:nvSpPr>
-          <p:cNvPr id="121" name="Shape 0"/>
+          <p:cNvPr id="120" name="Shape 0"/>
           <p:cNvSpPr/>
           <p:nvPr/>
         </p:nvSpPr>
@@ -6295,7 +5641,7 @@
       </p:sp>
       <p:sp>
         <p:nvSpPr>
-          <p:cNvPr id="122" name="Shape 1"/>
+          <p:cNvPr id="121" name="Shape 1"/>
           <p:cNvSpPr/>
           <p:nvPr/>
         </p:nvSpPr>
@@ -6324,7 +5670,7 @@
       </p:sp>
       <p:pic>
         <p:nvPicPr>
-          <p:cNvPr id="123" name="Image 0" descr="Image 0"/>
+          <p:cNvPr id="122" name="Image 0" descr="Image 0"/>
           <p:cNvPicPr>
             <a:picLocks noChangeAspect="1"/>
           </p:cNvPicPr>
@@ -6340,8 +5686,8 @@
         </p:blipFill>
         <p:spPr>
           <a:xfrm>
-            <a:off x="0" y="0"/>
-            <a:ext cx="14630400" cy="2532817"/>
+            <a:off x="9144000" y="0"/>
+            <a:ext cx="5486400" cy="8229600"/>
           </a:xfrm>
           <a:prstGeom prst="rect">
             <a:avLst/>
@@ -6353,14 +5699,14 @@
       </p:pic>
       <p:sp>
         <p:nvSpPr>
-          <p:cNvPr id="124" name="Text 2"/>
+          <p:cNvPr id="123" name="Text 2"/>
           <p:cNvSpPr txBox="1"/>
           <p:nvPr/>
         </p:nvSpPr>
         <p:spPr>
           <a:xfrm>
-            <a:off x="754856" y="3094315"/>
-            <a:ext cx="9156183" cy="703190"/>
+            <a:off x="669250" y="1054059"/>
+            <a:ext cx="7805499" cy="630548"/>
           </a:xfrm>
           <a:prstGeom prst="rect">
             <a:avLst/>
@@ -6375,15 +5721,15 @@
           </a:extLst>
         </p:spPr>
         <p:txBody>
-          <a:bodyPr wrap="none" lIns="45719" rIns="45719">
+          <a:bodyPr lIns="45719" rIns="45719">
             <a:spAutoFit/>
           </a:bodyPr>
           <a:lstStyle>
             <a:lvl1pPr>
               <a:lnSpc>
-                <a:spcPts val="4900"/>
+                <a:spcPts val="4300"/>
               </a:lnSpc>
-              <a:defRPr b="1" sz="3900">
+              <a:defRPr b="1" sz="3500">
                 <a:solidFill>
                   <a:srgbClr val="151617"/>
                 </a:solidFill>
@@ -6397,21 +5743,21 @@
           <a:p>
             <a:pPr/>
             <a:r>
-              <a:t>Integrating CouchDB with Spring Boot</a:t>
+              <a:t>Conclusion and Recommendations</a:t>
             </a:r>
           </a:p>
         </p:txBody>
       </p:sp>
       <p:sp>
         <p:nvSpPr>
-          <p:cNvPr id="125" name="Text 3"/>
+          <p:cNvPr id="124" name="Text 3"/>
           <p:cNvSpPr txBox="1"/>
           <p:nvPr/>
         </p:nvSpPr>
         <p:spPr>
           <a:xfrm>
-            <a:off x="754856" y="4031336"/>
-            <a:ext cx="13120687" cy="706753"/>
+            <a:off x="669250" y="2434708"/>
+            <a:ext cx="7805499" cy="914652"/>
           </a:xfrm>
           <a:prstGeom prst="rect">
             <a:avLst/>
@@ -6432,9 +5778,9 @@
           <a:lstStyle>
             <a:lvl1pPr>
               <a:lnSpc>
-                <a:spcPts val="2500"/>
+                <a:spcPts val="2200"/>
               </a:lnSpc>
-              <a:defRPr b="1" sz="1500">
+              <a:defRPr b="1" sz="1400">
                 <a:solidFill>
                   <a:srgbClr val="151617"/>
                 </a:solidFill>
@@ -6448,50 +5794,54 @@
           <a:p>
             <a:pPr/>
             <a:r>
-              <a:t>Spring Boot provides seamless integration with CouchDB through libraries and frameworks, making it straightforward to connect and utilize the database in your applications.</a:t>
+              <a:t>CouchDB is a powerful and versatile NoSQL database that can be a valuable addition to Spring Boot applications. Its strengths lie in its simplicity, scalability, and flexibility, making it suitable for a wide range of use cases.</a:t>
             </a:r>
           </a:p>
         </p:txBody>
       </p:sp>
-      <p:pic>
-        <p:nvPicPr>
-          <p:cNvPr id="126" name="Image 2" descr="Image 2"/>
-          <p:cNvPicPr>
-            <a:picLocks noChangeAspect="1"/>
-          </p:cNvPicPr>
-          <p:nvPr/>
-        </p:nvPicPr>
-        <p:blipFill>
-          <a:blip r:embed="rId3">
-            <a:extLst/>
-          </a:blip>
-          <a:stretch>
-            <a:fillRect/>
-          </a:stretch>
-        </p:blipFill>
-        <p:spPr>
-          <a:xfrm>
-            <a:off x="709135" y="4907636"/>
-            <a:ext cx="506493" cy="506493"/>
-          </a:xfrm>
-          <a:prstGeom prst="rect">
-            <a:avLst/>
-          </a:prstGeom>
-          <a:ln w="12700">
-            <a:miter lim="400000"/>
-          </a:ln>
-        </p:spPr>
-      </p:pic>
-      <p:sp>
-        <p:nvSpPr>
-          <p:cNvPr id="127" name="Text 4"/>
+      <p:sp>
+        <p:nvSpPr>
+          <p:cNvPr id="125" name="Shape 4"/>
+          <p:cNvSpPr/>
+          <p:nvPr/>
+        </p:nvSpPr>
+        <p:spPr>
+          <a:xfrm>
+            <a:off x="623530" y="3489840"/>
+            <a:ext cx="3859411" cy="2181107"/>
+          </a:xfrm>
+          <a:prstGeom prst="roundRect">
+            <a:avLst>
+              <a:gd name="adj" fmla="val 419"/>
+            </a:avLst>
+          </a:prstGeom>
+          <a:solidFill>
+            <a:srgbClr val="F8ECE4"/>
+          </a:solidFill>
+          <a:ln w="7620">
+            <a:solidFill>
+              <a:srgbClr val="151617"/>
+            </a:solidFill>
+          </a:ln>
+        </p:spPr>
+        <p:txBody>
+          <a:bodyPr lIns="45719" rIns="45719"/>
+          <a:lstStyle/>
+          <a:p>
+            <a:pPr/>
+          </a:p>
+        </p:txBody>
+      </p:sp>
+      <p:sp>
+        <p:nvSpPr>
+          <p:cNvPr id="126" name="Text 5"/>
           <p:cNvSpPr txBox="1"/>
           <p:nvPr/>
         </p:nvSpPr>
         <p:spPr>
           <a:xfrm>
-            <a:off x="754855" y="5616654"/>
-            <a:ext cx="2825954" cy="390775"/>
+            <a:off x="854988" y="3675577"/>
+            <a:ext cx="2083294" cy="354454"/>
           </a:xfrm>
           <a:prstGeom prst="rect">
             <a:avLst/>
@@ -6512,9 +5862,9 @@
           <a:lstStyle>
             <a:lvl1pPr>
               <a:lnSpc>
-                <a:spcPts val="2400"/>
+                <a:spcPts val="2100"/>
               </a:lnSpc>
-              <a:defRPr b="1" sz="1900">
+              <a:defRPr b="1" sz="1700">
                 <a:solidFill>
                   <a:srgbClr val="151617"/>
                 </a:solidFill>
@@ -6528,21 +5878,21 @@
           <a:p>
             <a:pPr/>
             <a:r>
-              <a:t>Spring Data Couchbase</a:t>
+              <a:t>Consider CouchDB</a:t>
             </a:r>
           </a:p>
         </p:txBody>
       </p:sp>
       <p:sp>
         <p:nvSpPr>
-          <p:cNvPr id="128" name="Text 5"/>
+          <p:cNvPr id="127" name="Text 6"/>
           <p:cNvSpPr txBox="1"/>
           <p:nvPr/>
         </p:nvSpPr>
         <p:spPr>
           <a:xfrm>
-            <a:off x="754855" y="6054685"/>
-            <a:ext cx="4110040" cy="1341752"/>
+            <a:off x="854988" y="4060626"/>
+            <a:ext cx="3396496" cy="1473452"/>
           </a:xfrm>
           <a:prstGeom prst="rect">
             <a:avLst/>
@@ -6563,9 +5913,9 @@
           <a:lstStyle>
             <a:lvl1pPr>
               <a:lnSpc>
-                <a:spcPts val="2500"/>
+                <a:spcPts val="2200"/>
               </a:lnSpc>
-              <a:defRPr b="1" sz="1500">
+              <a:defRPr b="1" sz="1400">
                 <a:solidFill>
                   <a:srgbClr val="151617"/>
                 </a:solidFill>
@@ -6579,2344 +5929,7 @@
           <a:p>
             <a:pPr/>
             <a:r>
-              <a:t>This library provides a convenient abstraction layer for interacting with CouchDB, simplifying common operations and data access.</a:t>
-            </a:r>
-          </a:p>
-        </p:txBody>
-      </p:sp>
-      <p:pic>
-        <p:nvPicPr>
-          <p:cNvPr id="129" name="Image 3" descr="Image 3"/>
-          <p:cNvPicPr>
-            <a:picLocks noChangeAspect="1"/>
-          </p:cNvPicPr>
-          <p:nvPr/>
-        </p:nvPicPr>
-        <p:blipFill>
-          <a:blip r:embed="rId4">
-            <a:extLst/>
-          </a:blip>
-          <a:stretch>
-            <a:fillRect/>
-          </a:stretch>
-        </p:blipFill>
-        <p:spPr>
-          <a:xfrm>
-            <a:off x="5214461" y="4907636"/>
-            <a:ext cx="506493" cy="506493"/>
-          </a:xfrm>
-          <a:prstGeom prst="rect">
-            <a:avLst/>
-          </a:prstGeom>
-          <a:ln w="12700">
-            <a:miter lim="400000"/>
-          </a:ln>
-        </p:spPr>
-      </p:pic>
-      <p:sp>
-        <p:nvSpPr>
-          <p:cNvPr id="130" name="Text 6"/>
-          <p:cNvSpPr txBox="1"/>
-          <p:nvPr/>
-        </p:nvSpPr>
-        <p:spPr>
-          <a:xfrm>
-            <a:off x="5260181" y="5616654"/>
-            <a:ext cx="4110039" cy="390775"/>
-          </a:xfrm>
-          <a:prstGeom prst="rect">
-            <a:avLst/>
-          </a:prstGeom>
-          <a:ln w="12700">
-            <a:miter lim="400000"/>
-          </a:ln>
-          <a:extLst>
-            <a:ext uri="{C572A759-6A51-4108-AA02-DFA0A04FC94B}">
-              <ma14:wrappingTextBoxFlag xmlns:ma14="http://schemas.microsoft.com/office/mac/drawingml/2011/main" val="1"/>
-            </a:ext>
-          </a:extLst>
-        </p:spPr>
-        <p:txBody>
-          <a:bodyPr lIns="45719" rIns="45719">
-            <a:spAutoFit/>
-          </a:bodyPr>
-          <a:lstStyle>
-            <a:lvl1pPr>
-              <a:lnSpc>
-                <a:spcPts val="2400"/>
-              </a:lnSpc>
-              <a:defRPr b="1" sz="1900">
-                <a:solidFill>
-                  <a:srgbClr val="151617"/>
-                </a:solidFill>
-                <a:latin typeface="Montserrat"/>
-                <a:ea typeface="Montserrat"/>
-                <a:cs typeface="Montserrat"/>
-                <a:sym typeface="Montserrat"/>
-              </a:defRPr>
-            </a:lvl1pPr>
-          </a:lstStyle>
-          <a:p>
-            <a:pPr/>
-            <a:r>
-              <a:t>Spring Boot Auto-Configuration</a:t>
-            </a:r>
-          </a:p>
-        </p:txBody>
-      </p:sp>
-      <p:sp>
-        <p:nvSpPr>
-          <p:cNvPr id="131" name="Text 7"/>
-          <p:cNvSpPr txBox="1"/>
-          <p:nvPr/>
-        </p:nvSpPr>
-        <p:spPr>
-          <a:xfrm>
-            <a:off x="5260181" y="6371152"/>
-            <a:ext cx="4110039" cy="1024253"/>
-          </a:xfrm>
-          <a:prstGeom prst="rect">
-            <a:avLst/>
-          </a:prstGeom>
-          <a:ln w="12700">
-            <a:miter lim="400000"/>
-          </a:ln>
-          <a:extLst>
-            <a:ext uri="{C572A759-6A51-4108-AA02-DFA0A04FC94B}">
-              <ma14:wrappingTextBoxFlag xmlns:ma14="http://schemas.microsoft.com/office/mac/drawingml/2011/main" val="1"/>
-            </a:ext>
-          </a:extLst>
-        </p:spPr>
-        <p:txBody>
-          <a:bodyPr lIns="45719" rIns="45719">
-            <a:spAutoFit/>
-          </a:bodyPr>
-          <a:lstStyle>
-            <a:lvl1pPr>
-              <a:lnSpc>
-                <a:spcPts val="2500"/>
-              </a:lnSpc>
-              <a:defRPr b="1" sz="1500">
-                <a:solidFill>
-                  <a:srgbClr val="151617"/>
-                </a:solidFill>
-                <a:latin typeface="Inconsolata"/>
-                <a:ea typeface="Inconsolata"/>
-                <a:cs typeface="Inconsolata"/>
-                <a:sym typeface="Inconsolata"/>
-              </a:defRPr>
-            </a:lvl1pPr>
-          </a:lstStyle>
-          <a:p>
-            <a:pPr/>
-            <a:r>
-              <a:t>Spring Boot offers automatic configuration for CouchDB, reducing boilerplate code and enabling quick setup and deployment.</a:t>
-            </a:r>
-          </a:p>
-        </p:txBody>
-      </p:sp>
-      <p:pic>
-        <p:nvPicPr>
-          <p:cNvPr id="132" name="Image 4" descr="Image 4"/>
-          <p:cNvPicPr>
-            <a:picLocks noChangeAspect="1"/>
-          </p:cNvPicPr>
-          <p:nvPr/>
-        </p:nvPicPr>
-        <p:blipFill>
-          <a:blip r:embed="rId5">
-            <a:extLst/>
-          </a:blip>
-          <a:stretch>
-            <a:fillRect/>
-          </a:stretch>
-        </p:blipFill>
-        <p:spPr>
-          <a:xfrm>
-            <a:off x="9719785" y="4907636"/>
-            <a:ext cx="506493" cy="506493"/>
-          </a:xfrm>
-          <a:prstGeom prst="rect">
-            <a:avLst/>
-          </a:prstGeom>
-          <a:ln w="12700">
-            <a:miter lim="400000"/>
-          </a:ln>
-        </p:spPr>
-      </p:pic>
-      <p:sp>
-        <p:nvSpPr>
-          <p:cNvPr id="133" name="Text 8"/>
-          <p:cNvSpPr txBox="1"/>
-          <p:nvPr/>
-        </p:nvSpPr>
-        <p:spPr>
-          <a:xfrm>
-            <a:off x="9765505" y="5616654"/>
-            <a:ext cx="3228434" cy="390775"/>
-          </a:xfrm>
-          <a:prstGeom prst="rect">
-            <a:avLst/>
-          </a:prstGeom>
-          <a:ln w="12700">
-            <a:miter lim="400000"/>
-          </a:ln>
-          <a:extLst>
-            <a:ext uri="{C572A759-6A51-4108-AA02-DFA0A04FC94B}">
-              <ma14:wrappingTextBoxFlag xmlns:ma14="http://schemas.microsoft.com/office/mac/drawingml/2011/main" val="1"/>
-            </a:ext>
-          </a:extLst>
-        </p:spPr>
-        <p:txBody>
-          <a:bodyPr wrap="none" lIns="45719" rIns="45719">
-            <a:spAutoFit/>
-          </a:bodyPr>
-          <a:lstStyle>
-            <a:lvl1pPr>
-              <a:lnSpc>
-                <a:spcPts val="2400"/>
-              </a:lnSpc>
-              <a:defRPr b="1" sz="1900">
-                <a:solidFill>
-                  <a:srgbClr val="151617"/>
-                </a:solidFill>
-                <a:latin typeface="Montserrat"/>
-                <a:ea typeface="Montserrat"/>
-                <a:cs typeface="Montserrat"/>
-                <a:sym typeface="Montserrat"/>
-              </a:defRPr>
-            </a:lvl1pPr>
-          </a:lstStyle>
-          <a:p>
-            <a:pPr/>
-            <a:r>
-              <a:t>Couchbase Client Libraries</a:t>
-            </a:r>
-          </a:p>
-        </p:txBody>
-      </p:sp>
-      <p:sp>
-        <p:nvSpPr>
-          <p:cNvPr id="134" name="Text 9"/>
-          <p:cNvSpPr txBox="1"/>
-          <p:nvPr/>
-        </p:nvSpPr>
-        <p:spPr>
-          <a:xfrm>
-            <a:off x="9765505" y="6054685"/>
-            <a:ext cx="4110039" cy="1341752"/>
-          </a:xfrm>
-          <a:prstGeom prst="rect">
-            <a:avLst/>
-          </a:prstGeom>
-          <a:ln w="12700">
-            <a:miter lim="400000"/>
-          </a:ln>
-          <a:extLst>
-            <a:ext uri="{C572A759-6A51-4108-AA02-DFA0A04FC94B}">
-              <ma14:wrappingTextBoxFlag xmlns:ma14="http://schemas.microsoft.com/office/mac/drawingml/2011/main" val="1"/>
-            </a:ext>
-          </a:extLst>
-        </p:spPr>
-        <p:txBody>
-          <a:bodyPr lIns="45719" rIns="45719">
-            <a:spAutoFit/>
-          </a:bodyPr>
-          <a:lstStyle>
-            <a:lvl1pPr>
-              <a:lnSpc>
-                <a:spcPts val="2500"/>
-              </a:lnSpc>
-              <a:defRPr b="1" sz="1500">
-                <a:solidFill>
-                  <a:srgbClr val="151617"/>
-                </a:solidFill>
-                <a:latin typeface="Inconsolata"/>
-                <a:ea typeface="Inconsolata"/>
-                <a:cs typeface="Inconsolata"/>
-                <a:sym typeface="Inconsolata"/>
-              </a:defRPr>
-            </a:lvl1pPr>
-          </a:lstStyle>
-          <a:p>
-            <a:pPr/>
-            <a:r>
-              <a:t>Couchbase provides Java client libraries for interacting with CouchDB, offering a wide range of features for data manipulation and management.</a:t>
-            </a:r>
-          </a:p>
-        </p:txBody>
-      </p:sp>
-    </p:spTree>
-  </p:cSld>
-  <p:clrMapOvr>
-    <a:masterClrMapping/>
-  </p:clrMapOvr>
-  <p:transition xmlns:p14="http://schemas.microsoft.com/office/powerpoint/2010/main" spd="med" advClick="1"/>
-</p:sld>
-</file>
-
-<file path=ppt/slides/slide8.xml><?xml version="1.0" encoding="utf-8"?>
-<p:sld xmlns:a="http://schemas.openxmlformats.org/drawingml/2006/main" xmlns:r="http://schemas.openxmlformats.org/officeDocument/2006/relationships" xmlns:p="http://schemas.openxmlformats.org/presentationml/2006/main" xmlns:m="http://schemas.openxmlformats.org/officeDocument/2006/math" xmlns:a14="http://schemas.microsoft.com/office/drawing/2010/main" showMasterSp="1" showMasterPhAnim="1">
-  <p:cSld>
-    <p:spTree>
-      <p:nvGrpSpPr>
-        <p:cNvPr id="1" name=""/>
-        <p:cNvGrpSpPr/>
-        <p:nvPr/>
-      </p:nvGrpSpPr>
-      <p:grpSpPr>
-        <a:xfrm>
-          <a:off x="0" y="0"/>
-          <a:ext cx="0" cy="0"/>
-          <a:chOff x="0" y="0"/>
-          <a:chExt cx="0" cy="0"/>
-        </a:xfrm>
-      </p:grpSpPr>
-      <p:sp>
-        <p:nvSpPr>
-          <p:cNvPr id="136" name="Shape 0"/>
-          <p:cNvSpPr/>
-          <p:nvPr/>
-        </p:nvSpPr>
-        <p:spPr>
-          <a:xfrm>
-            <a:off x="0" y="0"/>
-            <a:ext cx="14630400" cy="8229600"/>
-          </a:xfrm>
-          <a:prstGeom prst="rect">
-            <a:avLst/>
-          </a:prstGeom>
-          <a:solidFill>
-            <a:srgbClr val="F8ECE4"/>
-          </a:solidFill>
-          <a:ln w="12700">
-            <a:miter lim="400000"/>
-          </a:ln>
-        </p:spPr>
-        <p:txBody>
-          <a:bodyPr lIns="45719" rIns="45719"/>
-          <a:lstStyle/>
-          <a:p>
-            <a:pPr/>
-          </a:p>
-        </p:txBody>
-      </p:sp>
-      <p:sp>
-        <p:nvSpPr>
-          <p:cNvPr id="137" name="Shape 1"/>
-          <p:cNvSpPr/>
-          <p:nvPr/>
-        </p:nvSpPr>
-        <p:spPr>
-          <a:xfrm>
-            <a:off x="0" y="0"/>
-            <a:ext cx="14630400" cy="8229600"/>
-          </a:xfrm>
-          <a:prstGeom prst="rect">
-            <a:avLst/>
-          </a:prstGeom>
-          <a:solidFill>
-            <a:srgbClr val="F8ECE4"/>
-          </a:solidFill>
-          <a:ln w="12700">
-            <a:miter lim="400000"/>
-          </a:ln>
-        </p:spPr>
-        <p:txBody>
-          <a:bodyPr lIns="45719" rIns="45719"/>
-          <a:lstStyle/>
-          <a:p>
-            <a:pPr/>
-          </a:p>
-        </p:txBody>
-      </p:sp>
-      <p:pic>
-        <p:nvPicPr>
-          <p:cNvPr id="138" name="Image 0" descr="Image 0"/>
-          <p:cNvPicPr>
-            <a:picLocks noChangeAspect="1"/>
-          </p:cNvPicPr>
-          <p:nvPr/>
-        </p:nvPicPr>
-        <p:blipFill>
-          <a:blip r:embed="rId2">
-            <a:extLst/>
-          </a:blip>
-          <a:stretch>
-            <a:fillRect/>
-          </a:stretch>
-        </p:blipFill>
-        <p:spPr>
-          <a:xfrm>
-            <a:off x="0" y="0"/>
-            <a:ext cx="5486400" cy="8229600"/>
-          </a:xfrm>
-          <a:prstGeom prst="rect">
-            <a:avLst/>
-          </a:prstGeom>
-          <a:ln w="12700">
-            <a:miter lim="400000"/>
-          </a:ln>
-        </p:spPr>
-      </p:pic>
-      <p:sp>
-        <p:nvSpPr>
-          <p:cNvPr id="139" name="Text 2"/>
-          <p:cNvSpPr txBox="1"/>
-          <p:nvPr/>
-        </p:nvSpPr>
-        <p:spPr>
-          <a:xfrm>
-            <a:off x="6087784" y="580429"/>
-            <a:ext cx="7941232" cy="1073525"/>
-          </a:xfrm>
-          <a:prstGeom prst="rect">
-            <a:avLst/>
-          </a:prstGeom>
-          <a:ln w="12700">
-            <a:miter lim="400000"/>
-          </a:ln>
-          <a:extLst>
-            <a:ext uri="{C572A759-6A51-4108-AA02-DFA0A04FC94B}">
-              <ma14:wrappingTextBoxFlag xmlns:ma14="http://schemas.microsoft.com/office/mac/drawingml/2011/main" val="1"/>
-            </a:ext>
-          </a:extLst>
-        </p:spPr>
-        <p:txBody>
-          <a:bodyPr lIns="45719" rIns="45719">
-            <a:spAutoFit/>
-          </a:bodyPr>
-          <a:lstStyle>
-            <a:lvl1pPr>
-              <a:lnSpc>
-                <a:spcPts val="3900"/>
-              </a:lnSpc>
-              <a:defRPr b="1" sz="3100">
-                <a:solidFill>
-                  <a:srgbClr val="151617"/>
-                </a:solidFill>
-                <a:latin typeface="Montserrat"/>
-                <a:ea typeface="Montserrat"/>
-                <a:cs typeface="Montserrat"/>
-                <a:sym typeface="Montserrat"/>
-              </a:defRPr>
-            </a:lvl1pPr>
-          </a:lstStyle>
-          <a:p>
-            <a:pPr/>
-            <a:r>
-              <a:t>Querying and Accessing Data in CouchDB from Spring Boot</a:t>
-            </a:r>
-          </a:p>
-        </p:txBody>
-      </p:sp>
-      <p:sp>
-        <p:nvSpPr>
-          <p:cNvPr id="140" name="Text 3"/>
-          <p:cNvSpPr txBox="1"/>
-          <p:nvPr/>
-        </p:nvSpPr>
-        <p:spPr>
-          <a:xfrm>
-            <a:off x="6087784" y="1810822"/>
-            <a:ext cx="7941232" cy="583690"/>
-          </a:xfrm>
-          <a:prstGeom prst="rect">
-            <a:avLst/>
-          </a:prstGeom>
-          <a:ln w="12700">
-            <a:miter lim="400000"/>
-          </a:ln>
-          <a:extLst>
-            <a:ext uri="{C572A759-6A51-4108-AA02-DFA0A04FC94B}">
-              <ma14:wrappingTextBoxFlag xmlns:ma14="http://schemas.microsoft.com/office/mac/drawingml/2011/main" val="1"/>
-            </a:ext>
-          </a:extLst>
-        </p:spPr>
-        <p:txBody>
-          <a:bodyPr lIns="45719" rIns="45719">
-            <a:spAutoFit/>
-          </a:bodyPr>
-          <a:lstStyle>
-            <a:lvl1pPr>
-              <a:lnSpc>
-                <a:spcPts val="2000"/>
-              </a:lnSpc>
-              <a:defRPr b="1" sz="1200">
-                <a:solidFill>
-                  <a:srgbClr val="151617"/>
-                </a:solidFill>
-                <a:latin typeface="Inconsolata"/>
-                <a:ea typeface="Inconsolata"/>
-                <a:cs typeface="Inconsolata"/>
-                <a:sym typeface="Inconsolata"/>
-              </a:defRPr>
-            </a:lvl1pPr>
-          </a:lstStyle>
-          <a:p>
-            <a:pPr/>
-            <a:r>
-              <a:t>Spring Data Couchbase simplifies data access in Spring Boot applications by providing an intuitive and efficient interface.</a:t>
-            </a:r>
-          </a:p>
-        </p:txBody>
-      </p:sp>
-      <p:sp>
-        <p:nvSpPr>
-          <p:cNvPr id="141" name="Shape 4"/>
-          <p:cNvSpPr/>
-          <p:nvPr/>
-        </p:nvSpPr>
-        <p:spPr>
-          <a:xfrm>
-            <a:off x="6268759" y="2497573"/>
-            <a:ext cx="22861" cy="5151478"/>
-          </a:xfrm>
-          <a:prstGeom prst="roundRect">
-            <a:avLst>
-              <a:gd name="adj" fmla="val 40000"/>
-            </a:avLst>
-          </a:prstGeom>
-          <a:solidFill>
-            <a:srgbClr val="000000">
-              <a:alpha val="8000"/>
-            </a:srgbClr>
-          </a:solidFill>
-          <a:ln w="12700">
-            <a:miter lim="400000"/>
-          </a:ln>
-        </p:spPr>
-        <p:txBody>
-          <a:bodyPr lIns="45719" rIns="45719"/>
-          <a:lstStyle/>
-          <a:p>
-            <a:pPr/>
-          </a:p>
-        </p:txBody>
-      </p:sp>
-      <p:sp>
-        <p:nvSpPr>
-          <p:cNvPr id="142" name="Shape 5"/>
-          <p:cNvSpPr/>
-          <p:nvPr/>
-        </p:nvSpPr>
-        <p:spPr>
-          <a:xfrm>
-            <a:off x="6435923" y="2843332"/>
-            <a:ext cx="555666" cy="22861"/>
-          </a:xfrm>
-          <a:prstGeom prst="roundRect">
-            <a:avLst>
-              <a:gd name="adj" fmla="val 40000"/>
-            </a:avLst>
-          </a:prstGeom>
-          <a:solidFill>
-            <a:srgbClr val="151617"/>
-          </a:solidFill>
-          <a:ln w="12700">
-            <a:miter lim="400000"/>
-          </a:ln>
-        </p:spPr>
-        <p:txBody>
-          <a:bodyPr lIns="45719" rIns="45719"/>
-          <a:lstStyle/>
-          <a:p>
-            <a:pPr/>
-          </a:p>
-        </p:txBody>
-      </p:sp>
-      <p:sp>
-        <p:nvSpPr>
-          <p:cNvPr id="143" name="Shape 6"/>
-          <p:cNvSpPr/>
-          <p:nvPr/>
-        </p:nvSpPr>
-        <p:spPr>
-          <a:xfrm>
-            <a:off x="6101596" y="2676168"/>
-            <a:ext cx="357189" cy="357189"/>
-          </a:xfrm>
-          <a:prstGeom prst="roundRect">
-            <a:avLst>
-              <a:gd name="adj" fmla="val 2560"/>
-            </a:avLst>
-          </a:prstGeom>
-          <a:solidFill>
-            <a:srgbClr val="F8ECE4"/>
-          </a:solidFill>
-          <a:ln w="7620">
-            <a:solidFill>
-              <a:srgbClr val="151617"/>
-            </a:solidFill>
-          </a:ln>
-        </p:spPr>
-        <p:txBody>
-          <a:bodyPr lIns="45719" rIns="45719"/>
-          <a:lstStyle/>
-          <a:p>
-            <a:pPr/>
-          </a:p>
-        </p:txBody>
-      </p:sp>
-      <p:sp>
-        <p:nvSpPr>
-          <p:cNvPr id="144" name="Text 7"/>
-          <p:cNvSpPr txBox="1"/>
-          <p:nvPr/>
-        </p:nvSpPr>
-        <p:spPr>
-          <a:xfrm>
-            <a:off x="6164551" y="2735698"/>
-            <a:ext cx="231278" cy="326895"/>
-          </a:xfrm>
-          <a:prstGeom prst="rect">
-            <a:avLst/>
-          </a:prstGeom>
-          <a:ln w="12700">
-            <a:miter lim="400000"/>
-          </a:ln>
-          <a:extLst>
-            <a:ext uri="{C572A759-6A51-4108-AA02-DFA0A04FC94B}">
-              <ma14:wrappingTextBoxFlag xmlns:ma14="http://schemas.microsoft.com/office/mac/drawingml/2011/main" val="1"/>
-            </a:ext>
-          </a:extLst>
-        </p:spPr>
-        <p:txBody>
-          <a:bodyPr wrap="none" lIns="45719" rIns="45719">
-            <a:spAutoFit/>
-          </a:bodyPr>
-          <a:lstStyle>
-            <a:lvl1pPr algn="ctr">
-              <a:lnSpc>
-                <a:spcPts val="1800"/>
-              </a:lnSpc>
-              <a:defRPr b="1">
-                <a:solidFill>
-                  <a:srgbClr val="151617"/>
-                </a:solidFill>
-                <a:latin typeface="Montserrat"/>
-                <a:ea typeface="Montserrat"/>
-                <a:cs typeface="Montserrat"/>
-                <a:sym typeface="Montserrat"/>
-              </a:defRPr>
-            </a:lvl1pPr>
-          </a:lstStyle>
-          <a:p>
-            <a:pPr/>
-            <a:r>
-              <a:t>1</a:t>
-            </a:r>
-          </a:p>
-        </p:txBody>
-      </p:sp>
-      <p:sp>
-        <p:nvSpPr>
-          <p:cNvPr id="145" name="Text 8"/>
-          <p:cNvSpPr txBox="1"/>
-          <p:nvPr/>
-        </p:nvSpPr>
-        <p:spPr>
-          <a:xfrm>
-            <a:off x="7199114" y="2656283"/>
-            <a:ext cx="1946168" cy="328293"/>
-          </a:xfrm>
-          <a:prstGeom prst="rect">
-            <a:avLst/>
-          </a:prstGeom>
-          <a:ln w="12700">
-            <a:miter lim="400000"/>
-          </a:ln>
-          <a:extLst>
-            <a:ext uri="{C572A759-6A51-4108-AA02-DFA0A04FC94B}">
-              <ma14:wrappingTextBoxFlag xmlns:ma14="http://schemas.microsoft.com/office/mac/drawingml/2011/main" val="1"/>
-            </a:ext>
-          </a:extLst>
-        </p:spPr>
-        <p:txBody>
-          <a:bodyPr wrap="none" lIns="45719" rIns="45719">
-            <a:spAutoFit/>
-          </a:bodyPr>
-          <a:lstStyle>
-            <a:lvl1pPr>
-              <a:lnSpc>
-                <a:spcPts val="1900"/>
-              </a:lnSpc>
-              <a:defRPr b="1" sz="1500">
-                <a:solidFill>
-                  <a:srgbClr val="151617"/>
-                </a:solidFill>
-                <a:latin typeface="Montserrat"/>
-                <a:ea typeface="Montserrat"/>
-                <a:cs typeface="Montserrat"/>
-                <a:sym typeface="Montserrat"/>
-              </a:defRPr>
-            </a:lvl1pPr>
-          </a:lstStyle>
-          <a:p>
-            <a:pPr/>
-            <a:r>
-              <a:t>Repository Interface</a:t>
-            </a:r>
-          </a:p>
-        </p:txBody>
-      </p:sp>
-      <p:sp>
-        <p:nvSpPr>
-          <p:cNvPr id="146" name="Text 9"/>
-          <p:cNvSpPr txBox="1"/>
-          <p:nvPr/>
-        </p:nvSpPr>
-        <p:spPr>
-          <a:xfrm>
-            <a:off x="7199114" y="2999541"/>
-            <a:ext cx="6829902" cy="583690"/>
-          </a:xfrm>
-          <a:prstGeom prst="rect">
-            <a:avLst/>
-          </a:prstGeom>
-          <a:ln w="12700">
-            <a:miter lim="400000"/>
-          </a:ln>
-          <a:extLst>
-            <a:ext uri="{C572A759-6A51-4108-AA02-DFA0A04FC94B}">
-              <ma14:wrappingTextBoxFlag xmlns:ma14="http://schemas.microsoft.com/office/mac/drawingml/2011/main" val="1"/>
-            </a:ext>
-          </a:extLst>
-        </p:spPr>
-        <p:txBody>
-          <a:bodyPr lIns="45719" rIns="45719">
-            <a:spAutoFit/>
-          </a:bodyPr>
-          <a:lstStyle>
-            <a:lvl1pPr>
-              <a:lnSpc>
-                <a:spcPts val="2000"/>
-              </a:lnSpc>
-              <a:defRPr b="1" sz="1200">
-                <a:solidFill>
-                  <a:srgbClr val="151617"/>
-                </a:solidFill>
-                <a:latin typeface="Inconsolata"/>
-                <a:ea typeface="Inconsolata"/>
-                <a:cs typeface="Inconsolata"/>
-                <a:sym typeface="Inconsolata"/>
-              </a:defRPr>
-            </a:lvl1pPr>
-          </a:lstStyle>
-          <a:p>
-            <a:pPr/>
-            <a:r>
-              <a:t>Define a repository interface using the Spring Data JPA annotations to specify the CRUD operations and custom queries.</a:t>
-            </a:r>
-          </a:p>
-        </p:txBody>
-      </p:sp>
-      <p:sp>
-        <p:nvSpPr>
-          <p:cNvPr id="147" name="Shape 10"/>
-          <p:cNvSpPr/>
-          <p:nvPr/>
-        </p:nvSpPr>
-        <p:spPr>
-          <a:xfrm>
-            <a:off x="6435923" y="4170877"/>
-            <a:ext cx="555666" cy="22861"/>
-          </a:xfrm>
-          <a:prstGeom prst="roundRect">
-            <a:avLst>
-              <a:gd name="adj" fmla="val 40000"/>
-            </a:avLst>
-          </a:prstGeom>
-          <a:solidFill>
-            <a:srgbClr val="151617"/>
-          </a:solidFill>
-          <a:ln w="12700">
-            <a:miter lim="400000"/>
-          </a:ln>
-        </p:spPr>
-        <p:txBody>
-          <a:bodyPr lIns="45719" rIns="45719"/>
-          <a:lstStyle/>
-          <a:p>
-            <a:pPr/>
-          </a:p>
-        </p:txBody>
-      </p:sp>
-      <p:sp>
-        <p:nvSpPr>
-          <p:cNvPr id="148" name="Shape 11"/>
-          <p:cNvSpPr/>
-          <p:nvPr/>
-        </p:nvSpPr>
-        <p:spPr>
-          <a:xfrm>
-            <a:off x="6101596" y="4003714"/>
-            <a:ext cx="357189" cy="357189"/>
-          </a:xfrm>
-          <a:prstGeom prst="roundRect">
-            <a:avLst>
-              <a:gd name="adj" fmla="val 2560"/>
-            </a:avLst>
-          </a:prstGeom>
-          <a:solidFill>
-            <a:srgbClr val="F8ECE4"/>
-          </a:solidFill>
-          <a:ln w="7620">
-            <a:solidFill>
-              <a:srgbClr val="151617"/>
-            </a:solidFill>
-          </a:ln>
-        </p:spPr>
-        <p:txBody>
-          <a:bodyPr lIns="45719" rIns="45719"/>
-          <a:lstStyle/>
-          <a:p>
-            <a:pPr/>
-          </a:p>
-        </p:txBody>
-      </p:sp>
-      <p:sp>
-        <p:nvSpPr>
-          <p:cNvPr id="149" name="Text 12"/>
-          <p:cNvSpPr txBox="1"/>
-          <p:nvPr/>
-        </p:nvSpPr>
-        <p:spPr>
-          <a:xfrm>
-            <a:off x="6164551" y="4063246"/>
-            <a:ext cx="231278" cy="326894"/>
-          </a:xfrm>
-          <a:prstGeom prst="rect">
-            <a:avLst/>
-          </a:prstGeom>
-          <a:ln w="12700">
-            <a:miter lim="400000"/>
-          </a:ln>
-          <a:extLst>
-            <a:ext uri="{C572A759-6A51-4108-AA02-DFA0A04FC94B}">
-              <ma14:wrappingTextBoxFlag xmlns:ma14="http://schemas.microsoft.com/office/mac/drawingml/2011/main" val="1"/>
-            </a:ext>
-          </a:extLst>
-        </p:spPr>
-        <p:txBody>
-          <a:bodyPr wrap="none" lIns="45719" rIns="45719">
-            <a:spAutoFit/>
-          </a:bodyPr>
-          <a:lstStyle>
-            <a:lvl1pPr algn="ctr">
-              <a:lnSpc>
-                <a:spcPts val="1800"/>
-              </a:lnSpc>
-              <a:defRPr b="1">
-                <a:solidFill>
-                  <a:srgbClr val="151617"/>
-                </a:solidFill>
-                <a:latin typeface="Montserrat"/>
-                <a:ea typeface="Montserrat"/>
-                <a:cs typeface="Montserrat"/>
-                <a:sym typeface="Montserrat"/>
-              </a:defRPr>
-            </a:lvl1pPr>
-          </a:lstStyle>
-          <a:p>
-            <a:pPr/>
-            <a:r>
-              <a:t>2</a:t>
-            </a:r>
-          </a:p>
-        </p:txBody>
-      </p:sp>
-      <p:sp>
-        <p:nvSpPr>
-          <p:cNvPr id="150" name="Text 13"/>
-          <p:cNvSpPr txBox="1"/>
-          <p:nvPr/>
-        </p:nvSpPr>
-        <p:spPr>
-          <a:xfrm>
-            <a:off x="7199114" y="3983830"/>
-            <a:ext cx="2559805" cy="328293"/>
-          </a:xfrm>
-          <a:prstGeom prst="rect">
-            <a:avLst/>
-          </a:prstGeom>
-          <a:ln w="12700">
-            <a:miter lim="400000"/>
-          </a:ln>
-          <a:extLst>
-            <a:ext uri="{C572A759-6A51-4108-AA02-DFA0A04FC94B}">
-              <ma14:wrappingTextBoxFlag xmlns:ma14="http://schemas.microsoft.com/office/mac/drawingml/2011/main" val="1"/>
-            </a:ext>
-          </a:extLst>
-        </p:spPr>
-        <p:txBody>
-          <a:bodyPr wrap="none" lIns="45719" rIns="45719">
-            <a:spAutoFit/>
-          </a:bodyPr>
-          <a:lstStyle>
-            <a:lvl1pPr>
-              <a:lnSpc>
-                <a:spcPts val="1900"/>
-              </a:lnSpc>
-              <a:defRPr b="1" sz="1500">
-                <a:solidFill>
-                  <a:srgbClr val="151617"/>
-                </a:solidFill>
-                <a:latin typeface="Montserrat"/>
-                <a:ea typeface="Montserrat"/>
-                <a:cs typeface="Montserrat"/>
-                <a:sym typeface="Montserrat"/>
-              </a:defRPr>
-            </a:lvl1pPr>
-          </a:lstStyle>
-          <a:p>
-            <a:pPr/>
-            <a:r>
-              <a:t>Repository Implementation</a:t>
-            </a:r>
-          </a:p>
-        </p:txBody>
-      </p:sp>
-      <p:sp>
-        <p:nvSpPr>
-          <p:cNvPr id="151" name="Text 14"/>
-          <p:cNvSpPr txBox="1"/>
-          <p:nvPr/>
-        </p:nvSpPr>
-        <p:spPr>
-          <a:xfrm>
-            <a:off x="7199114" y="4327087"/>
-            <a:ext cx="6829902" cy="583690"/>
-          </a:xfrm>
-          <a:prstGeom prst="rect">
-            <a:avLst/>
-          </a:prstGeom>
-          <a:ln w="12700">
-            <a:miter lim="400000"/>
-          </a:ln>
-          <a:extLst>
-            <a:ext uri="{C572A759-6A51-4108-AA02-DFA0A04FC94B}">
-              <ma14:wrappingTextBoxFlag xmlns:ma14="http://schemas.microsoft.com/office/mac/drawingml/2011/main" val="1"/>
-            </a:ext>
-          </a:extLst>
-        </p:spPr>
-        <p:txBody>
-          <a:bodyPr lIns="45719" rIns="45719">
-            <a:spAutoFit/>
-          </a:bodyPr>
-          <a:lstStyle>
-            <a:lvl1pPr>
-              <a:lnSpc>
-                <a:spcPts val="2000"/>
-              </a:lnSpc>
-              <a:defRPr b="1" sz="1200">
-                <a:solidFill>
-                  <a:srgbClr val="151617"/>
-                </a:solidFill>
-                <a:latin typeface="Inconsolata"/>
-                <a:ea typeface="Inconsolata"/>
-                <a:cs typeface="Inconsolata"/>
-                <a:sym typeface="Inconsolata"/>
-              </a:defRPr>
-            </a:lvl1pPr>
-          </a:lstStyle>
-          <a:p>
-            <a:pPr/>
-            <a:r>
-              <a:t>Spring Boot will automatically generate a repository implementation based on the interface, enabling data access through Spring Data Couchbase.</a:t>
-            </a:r>
-          </a:p>
-        </p:txBody>
-      </p:sp>
-      <p:sp>
-        <p:nvSpPr>
-          <p:cNvPr id="152" name="Shape 15"/>
-          <p:cNvSpPr/>
-          <p:nvPr/>
-        </p:nvSpPr>
-        <p:spPr>
-          <a:xfrm>
-            <a:off x="6435923" y="5498424"/>
-            <a:ext cx="555666" cy="22861"/>
-          </a:xfrm>
-          <a:prstGeom prst="roundRect">
-            <a:avLst>
-              <a:gd name="adj" fmla="val 40000"/>
-            </a:avLst>
-          </a:prstGeom>
-          <a:solidFill>
-            <a:srgbClr val="151617"/>
-          </a:solidFill>
-          <a:ln w="12700">
-            <a:miter lim="400000"/>
-          </a:ln>
-        </p:spPr>
-        <p:txBody>
-          <a:bodyPr lIns="45719" rIns="45719"/>
-          <a:lstStyle/>
-          <a:p>
-            <a:pPr/>
-          </a:p>
-        </p:txBody>
-      </p:sp>
-      <p:sp>
-        <p:nvSpPr>
-          <p:cNvPr id="153" name="Shape 16"/>
-          <p:cNvSpPr/>
-          <p:nvPr/>
-        </p:nvSpPr>
-        <p:spPr>
-          <a:xfrm>
-            <a:off x="6101596" y="5331262"/>
-            <a:ext cx="357189" cy="357189"/>
-          </a:xfrm>
-          <a:prstGeom prst="roundRect">
-            <a:avLst>
-              <a:gd name="adj" fmla="val 2560"/>
-            </a:avLst>
-          </a:prstGeom>
-          <a:solidFill>
-            <a:srgbClr val="F8ECE4"/>
-          </a:solidFill>
-          <a:ln w="7620">
-            <a:solidFill>
-              <a:srgbClr val="151617"/>
-            </a:solidFill>
-          </a:ln>
-        </p:spPr>
-        <p:txBody>
-          <a:bodyPr lIns="45719" rIns="45719"/>
-          <a:lstStyle/>
-          <a:p>
-            <a:pPr/>
-          </a:p>
-        </p:txBody>
-      </p:sp>
-      <p:sp>
-        <p:nvSpPr>
-          <p:cNvPr id="154" name="Text 17"/>
-          <p:cNvSpPr txBox="1"/>
-          <p:nvPr/>
-        </p:nvSpPr>
-        <p:spPr>
-          <a:xfrm>
-            <a:off x="6164551" y="5390793"/>
-            <a:ext cx="231277" cy="326894"/>
-          </a:xfrm>
-          <a:prstGeom prst="rect">
-            <a:avLst/>
-          </a:prstGeom>
-          <a:ln w="12700">
-            <a:miter lim="400000"/>
-          </a:ln>
-          <a:extLst>
-            <a:ext uri="{C572A759-6A51-4108-AA02-DFA0A04FC94B}">
-              <ma14:wrappingTextBoxFlag xmlns:ma14="http://schemas.microsoft.com/office/mac/drawingml/2011/main" val="1"/>
-            </a:ext>
-          </a:extLst>
-        </p:spPr>
-        <p:txBody>
-          <a:bodyPr wrap="none" lIns="45719" rIns="45719">
-            <a:spAutoFit/>
-          </a:bodyPr>
-          <a:lstStyle>
-            <a:lvl1pPr algn="ctr">
-              <a:lnSpc>
-                <a:spcPts val="1800"/>
-              </a:lnSpc>
-              <a:defRPr b="1">
-                <a:solidFill>
-                  <a:srgbClr val="151617"/>
-                </a:solidFill>
-                <a:latin typeface="Montserrat"/>
-                <a:ea typeface="Montserrat"/>
-                <a:cs typeface="Montserrat"/>
-                <a:sym typeface="Montserrat"/>
-              </a:defRPr>
-            </a:lvl1pPr>
-          </a:lstStyle>
-          <a:p>
-            <a:pPr/>
-            <a:r>
-              <a:t>3</a:t>
-            </a:r>
-          </a:p>
-        </p:txBody>
-      </p:sp>
-      <p:sp>
-        <p:nvSpPr>
-          <p:cNvPr id="155" name="Text 18"/>
-          <p:cNvSpPr txBox="1"/>
-          <p:nvPr/>
-        </p:nvSpPr>
-        <p:spPr>
-          <a:xfrm>
-            <a:off x="7199114" y="5311378"/>
-            <a:ext cx="1712973" cy="328292"/>
-          </a:xfrm>
-          <a:prstGeom prst="rect">
-            <a:avLst/>
-          </a:prstGeom>
-          <a:ln w="12700">
-            <a:miter lim="400000"/>
-          </a:ln>
-          <a:extLst>
-            <a:ext uri="{C572A759-6A51-4108-AA02-DFA0A04FC94B}">
-              <ma14:wrappingTextBoxFlag xmlns:ma14="http://schemas.microsoft.com/office/mac/drawingml/2011/main" val="1"/>
-            </a:ext>
-          </a:extLst>
-        </p:spPr>
-        <p:txBody>
-          <a:bodyPr wrap="none" lIns="45719" rIns="45719">
-            <a:spAutoFit/>
-          </a:bodyPr>
-          <a:lstStyle>
-            <a:lvl1pPr>
-              <a:lnSpc>
-                <a:spcPts val="1900"/>
-              </a:lnSpc>
-              <a:defRPr b="1" sz="1500">
-                <a:solidFill>
-                  <a:srgbClr val="151617"/>
-                </a:solidFill>
-                <a:latin typeface="Montserrat"/>
-                <a:ea typeface="Montserrat"/>
-                <a:cs typeface="Montserrat"/>
-                <a:sym typeface="Montserrat"/>
-              </a:defRPr>
-            </a:lvl1pPr>
-          </a:lstStyle>
-          <a:p>
-            <a:pPr/>
-            <a:r>
-              <a:t>CRUD Operations</a:t>
-            </a:r>
-          </a:p>
-        </p:txBody>
-      </p:sp>
-      <p:sp>
-        <p:nvSpPr>
-          <p:cNvPr id="156" name="Text 19"/>
-          <p:cNvSpPr txBox="1"/>
-          <p:nvPr/>
-        </p:nvSpPr>
-        <p:spPr>
-          <a:xfrm>
-            <a:off x="7199114" y="5654635"/>
-            <a:ext cx="6829902" cy="583690"/>
-          </a:xfrm>
-          <a:prstGeom prst="rect">
-            <a:avLst/>
-          </a:prstGeom>
-          <a:ln w="12700">
-            <a:miter lim="400000"/>
-          </a:ln>
-          <a:extLst>
-            <a:ext uri="{C572A759-6A51-4108-AA02-DFA0A04FC94B}">
-              <ma14:wrappingTextBoxFlag xmlns:ma14="http://schemas.microsoft.com/office/mac/drawingml/2011/main" val="1"/>
-            </a:ext>
-          </a:extLst>
-        </p:spPr>
-        <p:txBody>
-          <a:bodyPr lIns="45719" rIns="45719">
-            <a:spAutoFit/>
-          </a:bodyPr>
-          <a:lstStyle>
-            <a:lvl1pPr>
-              <a:lnSpc>
-                <a:spcPts val="2000"/>
-              </a:lnSpc>
-              <a:defRPr b="1" sz="1200">
-                <a:solidFill>
-                  <a:srgbClr val="151617"/>
-                </a:solidFill>
-                <a:latin typeface="Inconsolata"/>
-                <a:ea typeface="Inconsolata"/>
-                <a:cs typeface="Inconsolata"/>
-                <a:sym typeface="Inconsolata"/>
-              </a:defRPr>
-            </a:lvl1pPr>
-          </a:lstStyle>
-          <a:p>
-            <a:pPr/>
-            <a:r>
-              <a:t>Utilize the repository instance to perform basic operations like creating, reading, updating, and deleting documents in CouchDB.</a:t>
-            </a:r>
-          </a:p>
-        </p:txBody>
-      </p:sp>
-      <p:sp>
-        <p:nvSpPr>
-          <p:cNvPr id="157" name="Shape 20"/>
-          <p:cNvSpPr/>
-          <p:nvPr/>
-        </p:nvSpPr>
-        <p:spPr>
-          <a:xfrm>
-            <a:off x="6435923" y="6825971"/>
-            <a:ext cx="555666" cy="22861"/>
-          </a:xfrm>
-          <a:prstGeom prst="roundRect">
-            <a:avLst>
-              <a:gd name="adj" fmla="val 40000"/>
-            </a:avLst>
-          </a:prstGeom>
-          <a:solidFill>
-            <a:srgbClr val="151617"/>
-          </a:solidFill>
-          <a:ln w="12700">
-            <a:miter lim="400000"/>
-          </a:ln>
-        </p:spPr>
-        <p:txBody>
-          <a:bodyPr lIns="45719" rIns="45719"/>
-          <a:lstStyle/>
-          <a:p>
-            <a:pPr/>
-          </a:p>
-        </p:txBody>
-      </p:sp>
-      <p:sp>
-        <p:nvSpPr>
-          <p:cNvPr id="158" name="Shape 21"/>
-          <p:cNvSpPr/>
-          <p:nvPr/>
-        </p:nvSpPr>
-        <p:spPr>
-          <a:xfrm>
-            <a:off x="6101596" y="6658808"/>
-            <a:ext cx="357189" cy="357189"/>
-          </a:xfrm>
-          <a:prstGeom prst="roundRect">
-            <a:avLst>
-              <a:gd name="adj" fmla="val 2560"/>
-            </a:avLst>
-          </a:prstGeom>
-          <a:solidFill>
-            <a:srgbClr val="F8ECE4"/>
-          </a:solidFill>
-          <a:ln w="7620">
-            <a:solidFill>
-              <a:srgbClr val="151617"/>
-            </a:solidFill>
-          </a:ln>
-        </p:spPr>
-        <p:txBody>
-          <a:bodyPr lIns="45719" rIns="45719"/>
-          <a:lstStyle/>
-          <a:p>
-            <a:pPr/>
-          </a:p>
-        </p:txBody>
-      </p:sp>
-      <p:sp>
-        <p:nvSpPr>
-          <p:cNvPr id="159" name="Text 22"/>
-          <p:cNvSpPr txBox="1"/>
-          <p:nvPr/>
-        </p:nvSpPr>
-        <p:spPr>
-          <a:xfrm>
-            <a:off x="6164551" y="6718340"/>
-            <a:ext cx="231277" cy="326894"/>
-          </a:xfrm>
-          <a:prstGeom prst="rect">
-            <a:avLst/>
-          </a:prstGeom>
-          <a:ln w="12700">
-            <a:miter lim="400000"/>
-          </a:ln>
-          <a:extLst>
-            <a:ext uri="{C572A759-6A51-4108-AA02-DFA0A04FC94B}">
-              <ma14:wrappingTextBoxFlag xmlns:ma14="http://schemas.microsoft.com/office/mac/drawingml/2011/main" val="1"/>
-            </a:ext>
-          </a:extLst>
-        </p:spPr>
-        <p:txBody>
-          <a:bodyPr wrap="none" lIns="45719" rIns="45719">
-            <a:spAutoFit/>
-          </a:bodyPr>
-          <a:lstStyle>
-            <a:lvl1pPr algn="ctr">
-              <a:lnSpc>
-                <a:spcPts val="1800"/>
-              </a:lnSpc>
-              <a:defRPr b="1">
-                <a:solidFill>
-                  <a:srgbClr val="151617"/>
-                </a:solidFill>
-                <a:latin typeface="Montserrat"/>
-                <a:ea typeface="Montserrat"/>
-                <a:cs typeface="Montserrat"/>
-                <a:sym typeface="Montserrat"/>
-              </a:defRPr>
-            </a:lvl1pPr>
-          </a:lstStyle>
-          <a:p>
-            <a:pPr/>
-            <a:r>
-              <a:t>4</a:t>
-            </a:r>
-          </a:p>
-        </p:txBody>
-      </p:sp>
-      <p:sp>
-        <p:nvSpPr>
-          <p:cNvPr id="160" name="Text 23"/>
-          <p:cNvSpPr txBox="1"/>
-          <p:nvPr/>
-        </p:nvSpPr>
-        <p:spPr>
-          <a:xfrm>
-            <a:off x="7199114" y="6638924"/>
-            <a:ext cx="1575586" cy="328293"/>
-          </a:xfrm>
-          <a:prstGeom prst="rect">
-            <a:avLst/>
-          </a:prstGeom>
-          <a:ln w="12700">
-            <a:miter lim="400000"/>
-          </a:ln>
-          <a:extLst>
-            <a:ext uri="{C572A759-6A51-4108-AA02-DFA0A04FC94B}">
-              <ma14:wrappingTextBoxFlag xmlns:ma14="http://schemas.microsoft.com/office/mac/drawingml/2011/main" val="1"/>
-            </a:ext>
-          </a:extLst>
-        </p:spPr>
-        <p:txBody>
-          <a:bodyPr wrap="none" lIns="45719" rIns="45719">
-            <a:spAutoFit/>
-          </a:bodyPr>
-          <a:lstStyle>
-            <a:lvl1pPr>
-              <a:lnSpc>
-                <a:spcPts val="1900"/>
-              </a:lnSpc>
-              <a:defRPr b="1" sz="1500">
-                <a:solidFill>
-                  <a:srgbClr val="151617"/>
-                </a:solidFill>
-                <a:latin typeface="Montserrat"/>
-                <a:ea typeface="Montserrat"/>
-                <a:cs typeface="Montserrat"/>
-                <a:sym typeface="Montserrat"/>
-              </a:defRPr>
-            </a:lvl1pPr>
-          </a:lstStyle>
-          <a:p>
-            <a:pPr/>
-            <a:r>
-              <a:t>Custom Queries</a:t>
-            </a:r>
-          </a:p>
-        </p:txBody>
-      </p:sp>
-      <p:sp>
-        <p:nvSpPr>
-          <p:cNvPr id="161" name="Text 24"/>
-          <p:cNvSpPr txBox="1"/>
-          <p:nvPr/>
-        </p:nvSpPr>
-        <p:spPr>
-          <a:xfrm>
-            <a:off x="7199114" y="6982182"/>
-            <a:ext cx="6829902" cy="583690"/>
-          </a:xfrm>
-          <a:prstGeom prst="rect">
-            <a:avLst/>
-          </a:prstGeom>
-          <a:ln w="12700">
-            <a:miter lim="400000"/>
-          </a:ln>
-          <a:extLst>
-            <a:ext uri="{C572A759-6A51-4108-AA02-DFA0A04FC94B}">
-              <ma14:wrappingTextBoxFlag xmlns:ma14="http://schemas.microsoft.com/office/mac/drawingml/2011/main" val="1"/>
-            </a:ext>
-          </a:extLst>
-        </p:spPr>
-        <p:txBody>
-          <a:bodyPr lIns="45719" rIns="45719">
-            <a:spAutoFit/>
-          </a:bodyPr>
-          <a:lstStyle>
-            <a:lvl1pPr>
-              <a:lnSpc>
-                <a:spcPts val="2000"/>
-              </a:lnSpc>
-              <a:defRPr b="1" sz="1200">
-                <a:solidFill>
-                  <a:srgbClr val="151617"/>
-                </a:solidFill>
-                <a:latin typeface="Inconsolata"/>
-                <a:ea typeface="Inconsolata"/>
-                <a:cs typeface="Inconsolata"/>
-                <a:sym typeface="Inconsolata"/>
-              </a:defRPr>
-            </a:lvl1pPr>
-          </a:lstStyle>
-          <a:p>
-            <a:pPr/>
-            <a:r>
-              <a:t>Define custom queries using Spring Data's query annotation language, enabling complex data retrieval based on specific criteria.</a:t>
-            </a:r>
-          </a:p>
-        </p:txBody>
-      </p:sp>
-    </p:spTree>
-  </p:cSld>
-  <p:clrMapOvr>
-    <a:masterClrMapping/>
-  </p:clrMapOvr>
-  <p:transition xmlns:p14="http://schemas.microsoft.com/office/powerpoint/2010/main" spd="med" advClick="1"/>
-</p:sld>
-</file>
-
-<file path=ppt/slides/slide9.xml><?xml version="1.0" encoding="utf-8"?>
-<p:sld xmlns:a="http://schemas.openxmlformats.org/drawingml/2006/main" xmlns:r="http://schemas.openxmlformats.org/officeDocument/2006/relationships" xmlns:p="http://schemas.openxmlformats.org/presentationml/2006/main" xmlns:m="http://schemas.openxmlformats.org/officeDocument/2006/math" xmlns:a14="http://schemas.microsoft.com/office/drawing/2010/main" showMasterSp="1" showMasterPhAnim="1">
-  <p:cSld>
-    <p:spTree>
-      <p:nvGrpSpPr>
-        <p:cNvPr id="1" name=""/>
-        <p:cNvGrpSpPr/>
-        <p:nvPr/>
-      </p:nvGrpSpPr>
-      <p:grpSpPr>
-        <a:xfrm>
-          <a:off x="0" y="0"/>
-          <a:ext cx="0" cy="0"/>
-          <a:chOff x="0" y="0"/>
-          <a:chExt cx="0" cy="0"/>
-        </a:xfrm>
-      </p:grpSpPr>
-      <p:sp>
-        <p:nvSpPr>
-          <p:cNvPr id="163" name="Shape 0"/>
-          <p:cNvSpPr/>
-          <p:nvPr/>
-        </p:nvSpPr>
-        <p:spPr>
-          <a:xfrm>
-            <a:off x="0" y="0"/>
-            <a:ext cx="14630400" cy="8229600"/>
-          </a:xfrm>
-          <a:prstGeom prst="rect">
-            <a:avLst/>
-          </a:prstGeom>
-          <a:solidFill>
-            <a:srgbClr val="F8ECE4"/>
-          </a:solidFill>
-          <a:ln w="12700">
-            <a:miter lim="400000"/>
-          </a:ln>
-        </p:spPr>
-        <p:txBody>
-          <a:bodyPr lIns="45719" rIns="45719"/>
-          <a:lstStyle/>
-          <a:p>
-            <a:pPr/>
-          </a:p>
-        </p:txBody>
-      </p:sp>
-      <p:sp>
-        <p:nvSpPr>
-          <p:cNvPr id="164" name="Shape 1"/>
-          <p:cNvSpPr/>
-          <p:nvPr/>
-        </p:nvSpPr>
-        <p:spPr>
-          <a:xfrm>
-            <a:off x="0" y="0"/>
-            <a:ext cx="14630400" cy="8229600"/>
-          </a:xfrm>
-          <a:prstGeom prst="rect">
-            <a:avLst/>
-          </a:prstGeom>
-          <a:solidFill>
-            <a:srgbClr val="F8ECE4"/>
-          </a:solidFill>
-          <a:ln w="12700">
-            <a:miter lim="400000"/>
-          </a:ln>
-        </p:spPr>
-        <p:txBody>
-          <a:bodyPr lIns="45719" rIns="45719"/>
-          <a:lstStyle/>
-          <a:p>
-            <a:pPr/>
-          </a:p>
-        </p:txBody>
-      </p:sp>
-      <p:pic>
-        <p:nvPicPr>
-          <p:cNvPr id="165" name="Image 0" descr="Image 0"/>
-          <p:cNvPicPr>
-            <a:picLocks noChangeAspect="1"/>
-          </p:cNvPicPr>
-          <p:nvPr/>
-        </p:nvPicPr>
-        <p:blipFill>
-          <a:blip r:embed="rId2">
-            <a:extLst/>
-          </a:blip>
-          <a:stretch>
-            <a:fillRect/>
-          </a:stretch>
-        </p:blipFill>
-        <p:spPr>
-          <a:xfrm>
-            <a:off x="0" y="0"/>
-            <a:ext cx="5486400" cy="8229600"/>
-          </a:xfrm>
-          <a:prstGeom prst="rect">
-            <a:avLst/>
-          </a:prstGeom>
-          <a:ln w="12700">
-            <a:miter lim="400000"/>
-          </a:ln>
-        </p:spPr>
-      </p:pic>
-      <p:sp>
-        <p:nvSpPr>
-          <p:cNvPr id="166" name="Text 2"/>
-          <p:cNvSpPr txBox="1"/>
-          <p:nvPr/>
-        </p:nvSpPr>
-        <p:spPr>
-          <a:xfrm>
-            <a:off x="6087784" y="1538645"/>
-            <a:ext cx="7941232" cy="1073524"/>
-          </a:xfrm>
-          <a:prstGeom prst="rect">
-            <a:avLst/>
-          </a:prstGeom>
-          <a:ln w="12700">
-            <a:miter lim="400000"/>
-          </a:ln>
-          <a:extLst>
-            <a:ext uri="{C572A759-6A51-4108-AA02-DFA0A04FC94B}">
-              <ma14:wrappingTextBoxFlag xmlns:ma14="http://schemas.microsoft.com/office/mac/drawingml/2011/main" val="1"/>
-            </a:ext>
-          </a:extLst>
-        </p:spPr>
-        <p:txBody>
-          <a:bodyPr lIns="45719" rIns="45719">
-            <a:spAutoFit/>
-          </a:bodyPr>
-          <a:lstStyle>
-            <a:lvl1pPr>
-              <a:lnSpc>
-                <a:spcPts val="3900"/>
-              </a:lnSpc>
-              <a:defRPr b="1" sz="3100">
-                <a:solidFill>
-                  <a:srgbClr val="151617"/>
-                </a:solidFill>
-                <a:latin typeface="Montserrat"/>
-                <a:ea typeface="Montserrat"/>
-                <a:cs typeface="Montserrat"/>
-                <a:sym typeface="Montserrat"/>
-              </a:defRPr>
-            </a:lvl1pPr>
-          </a:lstStyle>
-          <a:p>
-            <a:pPr/>
-            <a:r>
-              <a:t>Best Practices for Deploying CouchDB in Production</a:t>
-            </a:r>
-          </a:p>
-        </p:txBody>
-      </p:sp>
-      <p:sp>
-        <p:nvSpPr>
-          <p:cNvPr id="167" name="Text 3"/>
-          <p:cNvSpPr txBox="1"/>
-          <p:nvPr/>
-        </p:nvSpPr>
-        <p:spPr>
-          <a:xfrm>
-            <a:off x="6087784" y="2769036"/>
-            <a:ext cx="7941232" cy="583691"/>
-          </a:xfrm>
-          <a:prstGeom prst="rect">
-            <a:avLst/>
-          </a:prstGeom>
-          <a:ln w="12700">
-            <a:miter lim="400000"/>
-          </a:ln>
-          <a:extLst>
-            <a:ext uri="{C572A759-6A51-4108-AA02-DFA0A04FC94B}">
-              <ma14:wrappingTextBoxFlag xmlns:ma14="http://schemas.microsoft.com/office/mac/drawingml/2011/main" val="1"/>
-            </a:ext>
-          </a:extLst>
-        </p:spPr>
-        <p:txBody>
-          <a:bodyPr lIns="45719" rIns="45719">
-            <a:spAutoFit/>
-          </a:bodyPr>
-          <a:lstStyle>
-            <a:lvl1pPr>
-              <a:lnSpc>
-                <a:spcPts val="2000"/>
-              </a:lnSpc>
-              <a:defRPr b="1" sz="1200">
-                <a:solidFill>
-                  <a:srgbClr val="151617"/>
-                </a:solidFill>
-                <a:latin typeface="Inconsolata"/>
-                <a:ea typeface="Inconsolata"/>
-                <a:cs typeface="Inconsolata"/>
-                <a:sym typeface="Inconsolata"/>
-              </a:defRPr>
-            </a:lvl1pPr>
-          </a:lstStyle>
-          <a:p>
-            <a:pPr/>
-            <a:r>
-              <a:t>Deploying CouchDB in production requires careful consideration of scalability, security, and reliability to ensure optimal performance and data integrity.</a:t>
-            </a:r>
-          </a:p>
-        </p:txBody>
-      </p:sp>
-      <p:sp>
-        <p:nvSpPr>
-          <p:cNvPr id="168" name="Shape 4"/>
-          <p:cNvSpPr/>
-          <p:nvPr/>
-        </p:nvSpPr>
-        <p:spPr>
-          <a:xfrm>
-            <a:off x="6042064" y="3634382"/>
-            <a:ext cx="357189" cy="357189"/>
-          </a:xfrm>
-          <a:prstGeom prst="roundRect">
-            <a:avLst>
-              <a:gd name="adj" fmla="val 2560"/>
-            </a:avLst>
-          </a:prstGeom>
-          <a:solidFill>
-            <a:srgbClr val="F8ECE4"/>
-          </a:solidFill>
-          <a:ln w="7620">
-            <a:solidFill>
-              <a:srgbClr val="151617"/>
-            </a:solidFill>
-          </a:ln>
-        </p:spPr>
-        <p:txBody>
-          <a:bodyPr lIns="45719" rIns="45719"/>
-          <a:lstStyle/>
-          <a:p>
-            <a:pPr/>
-          </a:p>
-        </p:txBody>
-      </p:sp>
-      <p:sp>
-        <p:nvSpPr>
-          <p:cNvPr id="169" name="Text 5"/>
-          <p:cNvSpPr txBox="1"/>
-          <p:nvPr/>
-        </p:nvSpPr>
-        <p:spPr>
-          <a:xfrm>
-            <a:off x="6105019" y="3693914"/>
-            <a:ext cx="231278" cy="326894"/>
-          </a:xfrm>
-          <a:prstGeom prst="rect">
-            <a:avLst/>
-          </a:prstGeom>
-          <a:ln w="12700">
-            <a:miter lim="400000"/>
-          </a:ln>
-          <a:extLst>
-            <a:ext uri="{C572A759-6A51-4108-AA02-DFA0A04FC94B}">
-              <ma14:wrappingTextBoxFlag xmlns:ma14="http://schemas.microsoft.com/office/mac/drawingml/2011/main" val="1"/>
-            </a:ext>
-          </a:extLst>
-        </p:spPr>
-        <p:txBody>
-          <a:bodyPr wrap="none" lIns="45719" rIns="45719">
-            <a:spAutoFit/>
-          </a:bodyPr>
-          <a:lstStyle>
-            <a:lvl1pPr algn="ctr">
-              <a:lnSpc>
-                <a:spcPts val="1800"/>
-              </a:lnSpc>
-              <a:defRPr b="1">
-                <a:solidFill>
-                  <a:srgbClr val="151617"/>
-                </a:solidFill>
-                <a:latin typeface="Montserrat"/>
-                <a:ea typeface="Montserrat"/>
-                <a:cs typeface="Montserrat"/>
-                <a:sym typeface="Montserrat"/>
-              </a:defRPr>
-            </a:lvl1pPr>
-          </a:lstStyle>
-          <a:p>
-            <a:pPr/>
-            <a:r>
-              <a:t>1</a:t>
-            </a:r>
-          </a:p>
-        </p:txBody>
-      </p:sp>
-      <p:sp>
-        <p:nvSpPr>
-          <p:cNvPr id="170" name="Text 6"/>
-          <p:cNvSpPr txBox="1"/>
-          <p:nvPr/>
-        </p:nvSpPr>
-        <p:spPr>
-          <a:xfrm>
-            <a:off x="6603683" y="3634382"/>
-            <a:ext cx="2061975" cy="328293"/>
-          </a:xfrm>
-          <a:prstGeom prst="rect">
-            <a:avLst/>
-          </a:prstGeom>
-          <a:ln w="12700">
-            <a:miter lim="400000"/>
-          </a:ln>
-          <a:extLst>
-            <a:ext uri="{C572A759-6A51-4108-AA02-DFA0A04FC94B}">
-              <ma14:wrappingTextBoxFlag xmlns:ma14="http://schemas.microsoft.com/office/mac/drawingml/2011/main" val="1"/>
-            </a:ext>
-          </a:extLst>
-        </p:spPr>
-        <p:txBody>
-          <a:bodyPr wrap="none" lIns="45719" rIns="45719">
-            <a:spAutoFit/>
-          </a:bodyPr>
-          <a:lstStyle>
-            <a:lvl1pPr>
-              <a:lnSpc>
-                <a:spcPts val="1900"/>
-              </a:lnSpc>
-              <a:defRPr b="1" sz="1500">
-                <a:solidFill>
-                  <a:srgbClr val="151617"/>
-                </a:solidFill>
-                <a:latin typeface="Montserrat"/>
-                <a:ea typeface="Montserrat"/>
-                <a:cs typeface="Montserrat"/>
-                <a:sym typeface="Montserrat"/>
-              </a:defRPr>
-            </a:lvl1pPr>
-          </a:lstStyle>
-          <a:p>
-            <a:pPr/>
-            <a:r>
-              <a:t>Cluster Configuration</a:t>
-            </a:r>
-          </a:p>
-        </p:txBody>
-      </p:sp>
-      <p:sp>
-        <p:nvSpPr>
-          <p:cNvPr id="171" name="Text 7"/>
-          <p:cNvSpPr txBox="1"/>
-          <p:nvPr/>
-        </p:nvSpPr>
-        <p:spPr>
-          <a:xfrm>
-            <a:off x="6603683" y="3977640"/>
-            <a:ext cx="3329703" cy="837690"/>
-          </a:xfrm>
-          <a:prstGeom prst="rect">
-            <a:avLst/>
-          </a:prstGeom>
-          <a:ln w="12700">
-            <a:miter lim="400000"/>
-          </a:ln>
-          <a:extLst>
-            <a:ext uri="{C572A759-6A51-4108-AA02-DFA0A04FC94B}">
-              <ma14:wrappingTextBoxFlag xmlns:ma14="http://schemas.microsoft.com/office/mac/drawingml/2011/main" val="1"/>
-            </a:ext>
-          </a:extLst>
-        </p:spPr>
-        <p:txBody>
-          <a:bodyPr lIns="45719" rIns="45719">
-            <a:spAutoFit/>
-          </a:bodyPr>
-          <a:lstStyle>
-            <a:lvl1pPr>
-              <a:lnSpc>
-                <a:spcPts val="2000"/>
-              </a:lnSpc>
-              <a:defRPr b="1" sz="1200">
-                <a:solidFill>
-                  <a:srgbClr val="151617"/>
-                </a:solidFill>
-                <a:latin typeface="Inconsolata"/>
-                <a:ea typeface="Inconsolata"/>
-                <a:cs typeface="Inconsolata"/>
-                <a:sym typeface="Inconsolata"/>
-              </a:defRPr>
-            </a:lvl1pPr>
-          </a:lstStyle>
-          <a:p>
-            <a:pPr/>
-            <a:r>
-              <a:t>Deploy CouchDB in a cluster using multiple nodes to distribute the workload and enhance scalability and availability.</a:t>
-            </a:r>
-          </a:p>
-        </p:txBody>
-      </p:sp>
-      <p:sp>
-        <p:nvSpPr>
-          <p:cNvPr id="172" name="Shape 8"/>
-          <p:cNvSpPr/>
-          <p:nvPr/>
-        </p:nvSpPr>
-        <p:spPr>
-          <a:xfrm>
-            <a:off x="10137815" y="3634382"/>
-            <a:ext cx="357189" cy="357189"/>
-          </a:xfrm>
-          <a:prstGeom prst="roundRect">
-            <a:avLst>
-              <a:gd name="adj" fmla="val 2560"/>
-            </a:avLst>
-          </a:prstGeom>
-          <a:solidFill>
-            <a:srgbClr val="F8ECE4"/>
-          </a:solidFill>
-          <a:ln w="7620">
-            <a:solidFill>
-              <a:srgbClr val="151617"/>
-            </a:solidFill>
-          </a:ln>
-        </p:spPr>
-        <p:txBody>
-          <a:bodyPr lIns="45719" rIns="45719"/>
-          <a:lstStyle/>
-          <a:p>
-            <a:pPr/>
-          </a:p>
-        </p:txBody>
-      </p:sp>
-      <p:sp>
-        <p:nvSpPr>
-          <p:cNvPr id="173" name="Text 9"/>
-          <p:cNvSpPr txBox="1"/>
-          <p:nvPr/>
-        </p:nvSpPr>
-        <p:spPr>
-          <a:xfrm>
-            <a:off x="10200769" y="3693914"/>
-            <a:ext cx="231278" cy="326894"/>
-          </a:xfrm>
-          <a:prstGeom prst="rect">
-            <a:avLst/>
-          </a:prstGeom>
-          <a:ln w="12700">
-            <a:miter lim="400000"/>
-          </a:ln>
-          <a:extLst>
-            <a:ext uri="{C572A759-6A51-4108-AA02-DFA0A04FC94B}">
-              <ma14:wrappingTextBoxFlag xmlns:ma14="http://schemas.microsoft.com/office/mac/drawingml/2011/main" val="1"/>
-            </a:ext>
-          </a:extLst>
-        </p:spPr>
-        <p:txBody>
-          <a:bodyPr wrap="none" lIns="45719" rIns="45719">
-            <a:spAutoFit/>
-          </a:bodyPr>
-          <a:lstStyle>
-            <a:lvl1pPr algn="ctr">
-              <a:lnSpc>
-                <a:spcPts val="1800"/>
-              </a:lnSpc>
-              <a:defRPr b="1">
-                <a:solidFill>
-                  <a:srgbClr val="151617"/>
-                </a:solidFill>
-                <a:latin typeface="Montserrat"/>
-                <a:ea typeface="Montserrat"/>
-                <a:cs typeface="Montserrat"/>
-                <a:sym typeface="Montserrat"/>
-              </a:defRPr>
-            </a:lvl1pPr>
-          </a:lstStyle>
-          <a:p>
-            <a:pPr/>
-            <a:r>
-              <a:t>2</a:t>
-            </a:r>
-          </a:p>
-        </p:txBody>
-      </p:sp>
-      <p:sp>
-        <p:nvSpPr>
-          <p:cNvPr id="174" name="Text 10"/>
-          <p:cNvSpPr txBox="1"/>
-          <p:nvPr/>
-        </p:nvSpPr>
-        <p:spPr>
-          <a:xfrm>
-            <a:off x="10699433" y="3634382"/>
-            <a:ext cx="1787759" cy="328293"/>
-          </a:xfrm>
-          <a:prstGeom prst="rect">
-            <a:avLst/>
-          </a:prstGeom>
-          <a:ln w="12700">
-            <a:miter lim="400000"/>
-          </a:ln>
-          <a:extLst>
-            <a:ext uri="{C572A759-6A51-4108-AA02-DFA0A04FC94B}">
-              <ma14:wrappingTextBoxFlag xmlns:ma14="http://schemas.microsoft.com/office/mac/drawingml/2011/main" val="1"/>
-            </a:ext>
-          </a:extLst>
-        </p:spPr>
-        <p:txBody>
-          <a:bodyPr wrap="none" lIns="45719" rIns="45719">
-            <a:spAutoFit/>
-          </a:bodyPr>
-          <a:lstStyle>
-            <a:lvl1pPr>
-              <a:lnSpc>
-                <a:spcPts val="1900"/>
-              </a:lnSpc>
-              <a:defRPr b="1" sz="1500">
-                <a:solidFill>
-                  <a:srgbClr val="151617"/>
-                </a:solidFill>
-                <a:latin typeface="Montserrat"/>
-                <a:ea typeface="Montserrat"/>
-                <a:cs typeface="Montserrat"/>
-                <a:sym typeface="Montserrat"/>
-              </a:defRPr>
-            </a:lvl1pPr>
-          </a:lstStyle>
-          <a:p>
-            <a:pPr/>
-            <a:r>
-              <a:t>Security Measures</a:t>
-            </a:r>
-          </a:p>
-        </p:txBody>
-      </p:sp>
-      <p:sp>
-        <p:nvSpPr>
-          <p:cNvPr id="175" name="Text 11"/>
-          <p:cNvSpPr txBox="1"/>
-          <p:nvPr/>
-        </p:nvSpPr>
-        <p:spPr>
-          <a:xfrm>
-            <a:off x="10699433" y="3977640"/>
-            <a:ext cx="3329703" cy="1091690"/>
-          </a:xfrm>
-          <a:prstGeom prst="rect">
-            <a:avLst/>
-          </a:prstGeom>
-          <a:ln w="12700">
-            <a:miter lim="400000"/>
-          </a:ln>
-          <a:extLst>
-            <a:ext uri="{C572A759-6A51-4108-AA02-DFA0A04FC94B}">
-              <ma14:wrappingTextBoxFlag xmlns:ma14="http://schemas.microsoft.com/office/mac/drawingml/2011/main" val="1"/>
-            </a:ext>
-          </a:extLst>
-        </p:spPr>
-        <p:txBody>
-          <a:bodyPr lIns="45719" rIns="45719">
-            <a:spAutoFit/>
-          </a:bodyPr>
-          <a:lstStyle>
-            <a:lvl1pPr>
-              <a:lnSpc>
-                <a:spcPts val="2000"/>
-              </a:lnSpc>
-              <a:defRPr b="1" sz="1200">
-                <a:solidFill>
-                  <a:srgbClr val="151617"/>
-                </a:solidFill>
-                <a:latin typeface="Inconsolata"/>
-                <a:ea typeface="Inconsolata"/>
-                <a:cs typeface="Inconsolata"/>
-                <a:sym typeface="Inconsolata"/>
-              </a:defRPr>
-            </a:lvl1pPr>
-          </a:lstStyle>
-          <a:p>
-            <a:pPr/>
-            <a:r>
-              <a:t>Implement appropriate security measures like authentication and authorization, access control, and data encryption to protect sensitive data.</a:t>
-            </a:r>
-          </a:p>
-        </p:txBody>
-      </p:sp>
-      <p:sp>
-        <p:nvSpPr>
-          <p:cNvPr id="176" name="Shape 12"/>
-          <p:cNvSpPr/>
-          <p:nvPr/>
-        </p:nvSpPr>
-        <p:spPr>
-          <a:xfrm>
-            <a:off x="6042064" y="5331262"/>
-            <a:ext cx="357189" cy="357189"/>
-          </a:xfrm>
-          <a:prstGeom prst="roundRect">
-            <a:avLst>
-              <a:gd name="adj" fmla="val 2560"/>
-            </a:avLst>
-          </a:prstGeom>
-          <a:solidFill>
-            <a:srgbClr val="F8ECE4"/>
-          </a:solidFill>
-          <a:ln w="7620">
-            <a:solidFill>
-              <a:srgbClr val="151617"/>
-            </a:solidFill>
-          </a:ln>
-        </p:spPr>
-        <p:txBody>
-          <a:bodyPr lIns="45719" rIns="45719"/>
-          <a:lstStyle/>
-          <a:p>
-            <a:pPr/>
-          </a:p>
-        </p:txBody>
-      </p:sp>
-      <p:sp>
-        <p:nvSpPr>
-          <p:cNvPr id="177" name="Text 13"/>
-          <p:cNvSpPr txBox="1"/>
-          <p:nvPr/>
-        </p:nvSpPr>
-        <p:spPr>
-          <a:xfrm>
-            <a:off x="6105020" y="5390793"/>
-            <a:ext cx="231277" cy="326894"/>
-          </a:xfrm>
-          <a:prstGeom prst="rect">
-            <a:avLst/>
-          </a:prstGeom>
-          <a:ln w="12700">
-            <a:miter lim="400000"/>
-          </a:ln>
-          <a:extLst>
-            <a:ext uri="{C572A759-6A51-4108-AA02-DFA0A04FC94B}">
-              <ma14:wrappingTextBoxFlag xmlns:ma14="http://schemas.microsoft.com/office/mac/drawingml/2011/main" val="1"/>
-            </a:ext>
-          </a:extLst>
-        </p:spPr>
-        <p:txBody>
-          <a:bodyPr wrap="none" lIns="45719" rIns="45719">
-            <a:spAutoFit/>
-          </a:bodyPr>
-          <a:lstStyle>
-            <a:lvl1pPr algn="ctr">
-              <a:lnSpc>
-                <a:spcPts val="1800"/>
-              </a:lnSpc>
-              <a:defRPr b="1">
-                <a:solidFill>
-                  <a:srgbClr val="151617"/>
-                </a:solidFill>
-                <a:latin typeface="Montserrat"/>
-                <a:ea typeface="Montserrat"/>
-                <a:cs typeface="Montserrat"/>
-                <a:sym typeface="Montserrat"/>
-              </a:defRPr>
-            </a:lvl1pPr>
-          </a:lstStyle>
-          <a:p>
-            <a:pPr/>
-            <a:r>
-              <a:t>3</a:t>
-            </a:r>
-          </a:p>
-        </p:txBody>
-      </p:sp>
-      <p:sp>
-        <p:nvSpPr>
-          <p:cNvPr id="178" name="Text 14"/>
-          <p:cNvSpPr txBox="1"/>
-          <p:nvPr/>
-        </p:nvSpPr>
-        <p:spPr>
-          <a:xfrm>
-            <a:off x="6603683" y="5331262"/>
-            <a:ext cx="2283729" cy="328292"/>
-          </a:xfrm>
-          <a:prstGeom prst="rect">
-            <a:avLst/>
-          </a:prstGeom>
-          <a:ln w="12700">
-            <a:miter lim="400000"/>
-          </a:ln>
-          <a:extLst>
-            <a:ext uri="{C572A759-6A51-4108-AA02-DFA0A04FC94B}">
-              <ma14:wrappingTextBoxFlag xmlns:ma14="http://schemas.microsoft.com/office/mac/drawingml/2011/main" val="1"/>
-            </a:ext>
-          </a:extLst>
-        </p:spPr>
-        <p:txBody>
-          <a:bodyPr wrap="none" lIns="45719" rIns="45719">
-            <a:spAutoFit/>
-          </a:bodyPr>
-          <a:lstStyle>
-            <a:lvl1pPr>
-              <a:lnSpc>
-                <a:spcPts val="1900"/>
-              </a:lnSpc>
-              <a:defRPr b="1" sz="1500">
-                <a:solidFill>
-                  <a:srgbClr val="151617"/>
-                </a:solidFill>
-                <a:latin typeface="Montserrat"/>
-                <a:ea typeface="Montserrat"/>
-                <a:cs typeface="Montserrat"/>
-                <a:sym typeface="Montserrat"/>
-              </a:defRPr>
-            </a:lvl1pPr>
-          </a:lstStyle>
-          <a:p>
-            <a:pPr/>
-            <a:r>
-              <a:t>Monitoring and Logging</a:t>
-            </a:r>
-          </a:p>
-        </p:txBody>
-      </p:sp>
-      <p:sp>
-        <p:nvSpPr>
-          <p:cNvPr id="179" name="Text 15"/>
-          <p:cNvSpPr txBox="1"/>
-          <p:nvPr/>
-        </p:nvSpPr>
-        <p:spPr>
-          <a:xfrm>
-            <a:off x="6603683" y="5674519"/>
-            <a:ext cx="3329703" cy="1091690"/>
-          </a:xfrm>
-          <a:prstGeom prst="rect">
-            <a:avLst/>
-          </a:prstGeom>
-          <a:ln w="12700">
-            <a:miter lim="400000"/>
-          </a:ln>
-          <a:extLst>
-            <a:ext uri="{C572A759-6A51-4108-AA02-DFA0A04FC94B}">
-              <ma14:wrappingTextBoxFlag xmlns:ma14="http://schemas.microsoft.com/office/mac/drawingml/2011/main" val="1"/>
-            </a:ext>
-          </a:extLst>
-        </p:spPr>
-        <p:txBody>
-          <a:bodyPr lIns="45719" rIns="45719">
-            <a:spAutoFit/>
-          </a:bodyPr>
-          <a:lstStyle>
-            <a:lvl1pPr>
-              <a:lnSpc>
-                <a:spcPts val="2000"/>
-              </a:lnSpc>
-              <a:defRPr b="1" sz="1200">
-                <a:solidFill>
-                  <a:srgbClr val="151617"/>
-                </a:solidFill>
-                <a:latin typeface="Inconsolata"/>
-                <a:ea typeface="Inconsolata"/>
-                <a:cs typeface="Inconsolata"/>
-                <a:sym typeface="Inconsolata"/>
-              </a:defRPr>
-            </a:lvl1pPr>
-          </a:lstStyle>
-          <a:p>
-            <a:pPr/>
-            <a:r>
-              <a:t>Set up monitoring tools to track system health, performance, and resource usage, enabling early detection and resolution of issues.</a:t>
-            </a:r>
-          </a:p>
-        </p:txBody>
-      </p:sp>
-      <p:sp>
-        <p:nvSpPr>
-          <p:cNvPr id="180" name="Shape 16"/>
-          <p:cNvSpPr/>
-          <p:nvPr/>
-        </p:nvSpPr>
-        <p:spPr>
-          <a:xfrm>
-            <a:off x="10137815" y="5331262"/>
-            <a:ext cx="357189" cy="357189"/>
-          </a:xfrm>
-          <a:prstGeom prst="roundRect">
-            <a:avLst>
-              <a:gd name="adj" fmla="val 2560"/>
-            </a:avLst>
-          </a:prstGeom>
-          <a:solidFill>
-            <a:srgbClr val="F8ECE4"/>
-          </a:solidFill>
-          <a:ln w="7620">
-            <a:solidFill>
-              <a:srgbClr val="151617"/>
-            </a:solidFill>
-          </a:ln>
-        </p:spPr>
-        <p:txBody>
-          <a:bodyPr lIns="45719" rIns="45719"/>
-          <a:lstStyle/>
-          <a:p>
-            <a:pPr/>
-          </a:p>
-        </p:txBody>
-      </p:sp>
-      <p:sp>
-        <p:nvSpPr>
-          <p:cNvPr id="181" name="Text 17"/>
-          <p:cNvSpPr txBox="1"/>
-          <p:nvPr/>
-        </p:nvSpPr>
-        <p:spPr>
-          <a:xfrm>
-            <a:off x="10200770" y="5390793"/>
-            <a:ext cx="231277" cy="326894"/>
-          </a:xfrm>
-          <a:prstGeom prst="rect">
-            <a:avLst/>
-          </a:prstGeom>
-          <a:ln w="12700">
-            <a:miter lim="400000"/>
-          </a:ln>
-          <a:extLst>
-            <a:ext uri="{C572A759-6A51-4108-AA02-DFA0A04FC94B}">
-              <ma14:wrappingTextBoxFlag xmlns:ma14="http://schemas.microsoft.com/office/mac/drawingml/2011/main" val="1"/>
-            </a:ext>
-          </a:extLst>
-        </p:spPr>
-        <p:txBody>
-          <a:bodyPr wrap="none" lIns="45719" rIns="45719">
-            <a:spAutoFit/>
-          </a:bodyPr>
-          <a:lstStyle>
-            <a:lvl1pPr algn="ctr">
-              <a:lnSpc>
-                <a:spcPts val="1800"/>
-              </a:lnSpc>
-              <a:defRPr b="1">
-                <a:solidFill>
-                  <a:srgbClr val="151617"/>
-                </a:solidFill>
-                <a:latin typeface="Montserrat"/>
-                <a:ea typeface="Montserrat"/>
-                <a:cs typeface="Montserrat"/>
-                <a:sym typeface="Montserrat"/>
-              </a:defRPr>
-            </a:lvl1pPr>
-          </a:lstStyle>
-          <a:p>
-            <a:pPr/>
-            <a:r>
-              <a:t>4</a:t>
-            </a:r>
-          </a:p>
-        </p:txBody>
-      </p:sp>
-      <p:sp>
-        <p:nvSpPr>
-          <p:cNvPr id="182" name="Text 18"/>
-          <p:cNvSpPr txBox="1"/>
-          <p:nvPr/>
-        </p:nvSpPr>
-        <p:spPr>
-          <a:xfrm>
-            <a:off x="10699433" y="5331262"/>
-            <a:ext cx="2094624" cy="328292"/>
-          </a:xfrm>
-          <a:prstGeom prst="rect">
-            <a:avLst/>
-          </a:prstGeom>
-          <a:ln w="12700">
-            <a:miter lim="400000"/>
-          </a:ln>
-          <a:extLst>
-            <a:ext uri="{C572A759-6A51-4108-AA02-DFA0A04FC94B}">
-              <ma14:wrappingTextBoxFlag xmlns:ma14="http://schemas.microsoft.com/office/mac/drawingml/2011/main" val="1"/>
-            </a:ext>
-          </a:extLst>
-        </p:spPr>
-        <p:txBody>
-          <a:bodyPr wrap="none" lIns="45719" rIns="45719">
-            <a:spAutoFit/>
-          </a:bodyPr>
-          <a:lstStyle>
-            <a:lvl1pPr>
-              <a:lnSpc>
-                <a:spcPts val="1900"/>
-              </a:lnSpc>
-              <a:defRPr b="1" sz="1500">
-                <a:solidFill>
-                  <a:srgbClr val="151617"/>
-                </a:solidFill>
-                <a:latin typeface="Montserrat"/>
-                <a:ea typeface="Montserrat"/>
-                <a:cs typeface="Montserrat"/>
-                <a:sym typeface="Montserrat"/>
-              </a:defRPr>
-            </a:lvl1pPr>
-          </a:lstStyle>
-          <a:p>
-            <a:pPr/>
-            <a:r>
-              <a:t>Backup and Recovery</a:t>
-            </a:r>
-          </a:p>
-        </p:txBody>
-      </p:sp>
-      <p:sp>
-        <p:nvSpPr>
-          <p:cNvPr id="183" name="Text 19"/>
-          <p:cNvSpPr txBox="1"/>
-          <p:nvPr/>
-        </p:nvSpPr>
-        <p:spPr>
-          <a:xfrm>
-            <a:off x="10699433" y="5674519"/>
-            <a:ext cx="3329703" cy="837690"/>
-          </a:xfrm>
-          <a:prstGeom prst="rect">
-            <a:avLst/>
-          </a:prstGeom>
-          <a:ln w="12700">
-            <a:miter lim="400000"/>
-          </a:ln>
-          <a:extLst>
-            <a:ext uri="{C572A759-6A51-4108-AA02-DFA0A04FC94B}">
-              <ma14:wrappingTextBoxFlag xmlns:ma14="http://schemas.microsoft.com/office/mac/drawingml/2011/main" val="1"/>
-            </a:ext>
-          </a:extLst>
-        </p:spPr>
-        <p:txBody>
-          <a:bodyPr lIns="45719" rIns="45719">
-            <a:spAutoFit/>
-          </a:bodyPr>
-          <a:lstStyle>
-            <a:lvl1pPr>
-              <a:lnSpc>
-                <a:spcPts val="2000"/>
-              </a:lnSpc>
-              <a:defRPr b="1" sz="1200">
-                <a:solidFill>
-                  <a:srgbClr val="151617"/>
-                </a:solidFill>
-                <a:latin typeface="Inconsolata"/>
-                <a:ea typeface="Inconsolata"/>
-                <a:cs typeface="Inconsolata"/>
-                <a:sym typeface="Inconsolata"/>
-              </a:defRPr>
-            </a:lvl1pPr>
-          </a:lstStyle>
-          <a:p>
-            <a:pPr/>
-            <a:r>
-              <a:t>Establish regular backup routines to ensure data recovery in case of hardware failures or accidental data loss.</a:t>
+              <a:t>When your application requires a document-oriented database with a focus on simplicity, scalability, and data consistency, CouchDB is a strong contender.</a:t>
             </a:r>
           </a:p>
         </p:txBody>
